--- a/SC_2019/results/Insert.pptx
+++ b/SC_2019/results/Insert.pptx
@@ -2,18 +2,18 @@
 <file path=ppt/presentation.xml><?xml version="1.0" encoding="utf-8"?>
 <p:presentation xmlns:a="http://schemas.openxmlformats.org/drawingml/2006/main" xmlns:r="http://schemas.openxmlformats.org/officeDocument/2006/relationships" xmlns:p="http://schemas.openxmlformats.org/presentationml/2006/main" saveSubsetFonts="1">
   <p:sldMasterIdLst>
-    <p:sldMasterId id="2147483648" r:id="rId1"/>
+    <p:sldMasterId id="2147483660" r:id="rId1"/>
   </p:sldMasterIdLst>
   <p:sldIdLst>
     <p:sldId id="256" r:id="rId2"/>
   </p:sldIdLst>
-  <p:sldSz cx="12192000" cy="6858000"/>
+  <p:sldSz cx="12192000" cy="7315200"/>
   <p:notesSz cx="6858000" cy="9144000"/>
   <p:defaultTextStyle>
     <a:defPPr>
       <a:defRPr lang="en-US"/>
     </a:defPPr>
-    <a:lvl1pPr marL="0" algn="l" defTabSz="914400" rtl="0" eaLnBrk="1" latinLnBrk="0" hangingPunct="1">
+    <a:lvl1pPr marL="0" algn="l" defTabSz="457200" rtl="0" eaLnBrk="1" latinLnBrk="0" hangingPunct="1">
       <a:defRPr sz="1800" kern="1200">
         <a:solidFill>
           <a:schemeClr val="tx1"/>
@@ -23,7 +23,7 @@
         <a:cs typeface="+mn-cs"/>
       </a:defRPr>
     </a:lvl1pPr>
-    <a:lvl2pPr marL="457200" algn="l" defTabSz="914400" rtl="0" eaLnBrk="1" latinLnBrk="0" hangingPunct="1">
+    <a:lvl2pPr marL="457200" algn="l" defTabSz="457200" rtl="0" eaLnBrk="1" latinLnBrk="0" hangingPunct="1">
       <a:defRPr sz="1800" kern="1200">
         <a:solidFill>
           <a:schemeClr val="tx1"/>
@@ -33,7 +33,7 @@
         <a:cs typeface="+mn-cs"/>
       </a:defRPr>
     </a:lvl2pPr>
-    <a:lvl3pPr marL="914400" algn="l" defTabSz="914400" rtl="0" eaLnBrk="1" latinLnBrk="0" hangingPunct="1">
+    <a:lvl3pPr marL="914400" algn="l" defTabSz="457200" rtl="0" eaLnBrk="1" latinLnBrk="0" hangingPunct="1">
       <a:defRPr sz="1800" kern="1200">
         <a:solidFill>
           <a:schemeClr val="tx1"/>
@@ -43,7 +43,7 @@
         <a:cs typeface="+mn-cs"/>
       </a:defRPr>
     </a:lvl3pPr>
-    <a:lvl4pPr marL="1371600" algn="l" defTabSz="914400" rtl="0" eaLnBrk="1" latinLnBrk="0" hangingPunct="1">
+    <a:lvl4pPr marL="1371600" algn="l" defTabSz="457200" rtl="0" eaLnBrk="1" latinLnBrk="0" hangingPunct="1">
       <a:defRPr sz="1800" kern="1200">
         <a:solidFill>
           <a:schemeClr val="tx1"/>
@@ -53,7 +53,7 @@
         <a:cs typeface="+mn-cs"/>
       </a:defRPr>
     </a:lvl4pPr>
-    <a:lvl5pPr marL="1828800" algn="l" defTabSz="914400" rtl="0" eaLnBrk="1" latinLnBrk="0" hangingPunct="1">
+    <a:lvl5pPr marL="1828800" algn="l" defTabSz="457200" rtl="0" eaLnBrk="1" latinLnBrk="0" hangingPunct="1">
       <a:defRPr sz="1800" kern="1200">
         <a:solidFill>
           <a:schemeClr val="tx1"/>
@@ -63,7 +63,7 @@
         <a:cs typeface="+mn-cs"/>
       </a:defRPr>
     </a:lvl5pPr>
-    <a:lvl6pPr marL="2286000" algn="l" defTabSz="914400" rtl="0" eaLnBrk="1" latinLnBrk="0" hangingPunct="1">
+    <a:lvl6pPr marL="2286000" algn="l" defTabSz="457200" rtl="0" eaLnBrk="1" latinLnBrk="0" hangingPunct="1">
       <a:defRPr sz="1800" kern="1200">
         <a:solidFill>
           <a:schemeClr val="tx1"/>
@@ -73,7 +73,7 @@
         <a:cs typeface="+mn-cs"/>
       </a:defRPr>
     </a:lvl6pPr>
-    <a:lvl7pPr marL="2743200" algn="l" defTabSz="914400" rtl="0" eaLnBrk="1" latinLnBrk="0" hangingPunct="1">
+    <a:lvl7pPr marL="2743200" algn="l" defTabSz="457200" rtl="0" eaLnBrk="1" latinLnBrk="0" hangingPunct="1">
       <a:defRPr sz="1800" kern="1200">
         <a:solidFill>
           <a:schemeClr val="tx1"/>
@@ -83,7 +83,7 @@
         <a:cs typeface="+mn-cs"/>
       </a:defRPr>
     </a:lvl7pPr>
-    <a:lvl8pPr marL="3200400" algn="l" defTabSz="914400" rtl="0" eaLnBrk="1" latinLnBrk="0" hangingPunct="1">
+    <a:lvl8pPr marL="3200400" algn="l" defTabSz="457200" rtl="0" eaLnBrk="1" latinLnBrk="0" hangingPunct="1">
       <a:defRPr sz="1800" kern="1200">
         <a:solidFill>
           <a:schemeClr val="tx1"/>
@@ -93,7 +93,7 @@
         <a:cs typeface="+mn-cs"/>
       </a:defRPr>
     </a:lvl8pPr>
-    <a:lvl9pPr marL="3657600" algn="l" defTabSz="914400" rtl="0" eaLnBrk="1" latinLnBrk="0" hangingPunct="1">
+    <a:lvl9pPr marL="3657600" algn="l" defTabSz="457200" rtl="0" eaLnBrk="1" latinLnBrk="0" hangingPunct="1">
       <a:defRPr sz="1800" kern="1200">
         <a:solidFill>
           <a:schemeClr val="tx1"/>
@@ -104,6 +104,11 @@
       </a:defRPr>
     </a:lvl9pPr>
   </p:defaultTextStyle>
+  <p:extLst>
+    <p:ext uri="{EFAFB233-063F-42B5-8137-9DF3F51BA10A}">
+      <p15:sldGuideLst xmlns:p15="http://schemas.microsoft.com/office/powerpoint/2012/main"/>
+    </p:ext>
+  </p:extLst>
 </p:presentation>
 </file>
 
@@ -126,13 +131,7 @@
       </p:grpSpPr>
       <p:sp>
         <p:nvSpPr>
-          <p:cNvPr id="2" name="Title 1">
-            <a:extLst>
-              <a:ext uri="{FF2B5EF4-FFF2-40B4-BE49-F238E27FC236}">
-                <a16:creationId xmlns:a16="http://schemas.microsoft.com/office/drawing/2014/main" id="{63F4C788-A5EB-4E31-88D5-D3093A7DF6ED}"/>
-              </a:ext>
-            </a:extLst>
-          </p:cNvPr>
+          <p:cNvPr id="2" name="Title 1"/>
           <p:cNvSpPr>
             <a:spLocks noGrp="1"/>
           </p:cNvSpPr>
@@ -142,8 +141,8 @@
         </p:nvSpPr>
         <p:spPr>
           <a:xfrm>
-            <a:off x="1524000" y="1122363"/>
-            <a:ext cx="9144000" cy="2387600"/>
+            <a:off x="1524000" y="1197187"/>
+            <a:ext cx="9144000" cy="2546773"/>
           </a:xfrm>
         </p:spPr>
         <p:txBody>
@@ -158,18 +157,13 @@
               <a:rPr lang="en-US"/>
               <a:t>Click to edit Master title style</a:t>
             </a:r>
+            <a:endParaRPr lang="en-US" dirty="0"/>
           </a:p>
         </p:txBody>
       </p:sp>
       <p:sp>
         <p:nvSpPr>
-          <p:cNvPr id="3" name="Subtitle 2">
-            <a:extLst>
-              <a:ext uri="{FF2B5EF4-FFF2-40B4-BE49-F238E27FC236}">
-                <a16:creationId xmlns:a16="http://schemas.microsoft.com/office/drawing/2014/main" id="{FA7F85DA-3DDF-4AA7-B803-B732C2FE35DB}"/>
-              </a:ext>
-            </a:extLst>
-          </p:cNvPr>
+          <p:cNvPr id="3" name="Subtitle 2"/>
           <p:cNvSpPr>
             <a:spLocks noGrp="1"/>
           </p:cNvSpPr>
@@ -179,8 +173,8 @@
         </p:nvSpPr>
         <p:spPr>
           <a:xfrm>
-            <a:off x="1524000" y="3602038"/>
-            <a:ext cx="9144000" cy="1655762"/>
+            <a:off x="1524000" y="3842174"/>
+            <a:ext cx="9144000" cy="1766146"/>
           </a:xfrm>
         </p:spPr>
         <p:txBody>
@@ -228,18 +222,13 @@
               <a:rPr lang="en-US"/>
               <a:t>Click to edit Master subtitle style</a:t>
             </a:r>
+            <a:endParaRPr lang="en-US" dirty="0"/>
           </a:p>
         </p:txBody>
       </p:sp>
       <p:sp>
         <p:nvSpPr>
-          <p:cNvPr id="4" name="Date Placeholder 3">
-            <a:extLst>
-              <a:ext uri="{FF2B5EF4-FFF2-40B4-BE49-F238E27FC236}">
-                <a16:creationId xmlns:a16="http://schemas.microsoft.com/office/drawing/2014/main" id="{E801909C-5FD1-49A2-BA9A-C7D26E8EA6FD}"/>
-              </a:ext>
-            </a:extLst>
-          </p:cNvPr>
+          <p:cNvPr id="4" name="Date Placeholder 3"/>
           <p:cNvSpPr>
             <a:spLocks noGrp="1"/>
           </p:cNvSpPr>
@@ -254,7 +243,7 @@
           <a:p>
             <a:fld id="{C23224BE-BB9E-4ACF-86B7-8FB0A87457C3}" type="datetimeFigureOut">
               <a:rPr lang="en-US" smtClean="0"/>
-              <a:t>4/9/2019</a:t>
+              <a:t>4/10/2019</a:t>
             </a:fld>
             <a:endParaRPr lang="en-US"/>
           </a:p>
@@ -262,13 +251,7 @@
       </p:sp>
       <p:sp>
         <p:nvSpPr>
-          <p:cNvPr id="5" name="Footer Placeholder 4">
-            <a:extLst>
-              <a:ext uri="{FF2B5EF4-FFF2-40B4-BE49-F238E27FC236}">
-                <a16:creationId xmlns:a16="http://schemas.microsoft.com/office/drawing/2014/main" id="{838AD9B9-447D-4BBE-B488-66BBADCD7279}"/>
-              </a:ext>
-            </a:extLst>
-          </p:cNvPr>
+          <p:cNvPr id="5" name="Footer Placeholder 4"/>
           <p:cNvSpPr>
             <a:spLocks noGrp="1"/>
           </p:cNvSpPr>
@@ -287,13 +270,7 @@
       </p:sp>
       <p:sp>
         <p:nvSpPr>
-          <p:cNvPr id="6" name="Slide Number Placeholder 5">
-            <a:extLst>
-              <a:ext uri="{FF2B5EF4-FFF2-40B4-BE49-F238E27FC236}">
-                <a16:creationId xmlns:a16="http://schemas.microsoft.com/office/drawing/2014/main" id="{71A4D02B-4E3A-4421-9615-BAD6C975DE87}"/>
-              </a:ext>
-            </a:extLst>
-          </p:cNvPr>
+          <p:cNvPr id="6" name="Slide Number Placeholder 5"/>
           <p:cNvSpPr>
             <a:spLocks noGrp="1"/>
           </p:cNvSpPr>
@@ -317,7 +294,7 @@
     </p:spTree>
     <p:extLst>
       <p:ext uri="{BB962C8B-B14F-4D97-AF65-F5344CB8AC3E}">
-        <p14:creationId xmlns:p14="http://schemas.microsoft.com/office/powerpoint/2010/main" val="506597992"/>
+        <p14:creationId xmlns:p14="http://schemas.microsoft.com/office/powerpoint/2010/main" val="3961847512"/>
       </p:ext>
     </p:extLst>
   </p:cSld>
@@ -346,13 +323,7 @@
       </p:grpSpPr>
       <p:sp>
         <p:nvSpPr>
-          <p:cNvPr id="2" name="Title 1">
-            <a:extLst>
-              <a:ext uri="{FF2B5EF4-FFF2-40B4-BE49-F238E27FC236}">
-                <a16:creationId xmlns:a16="http://schemas.microsoft.com/office/drawing/2014/main" id="{8464E39E-BF8E-44B9-A7F8-28F9851628F0}"/>
-              </a:ext>
-            </a:extLst>
-          </p:cNvPr>
+          <p:cNvPr id="2" name="Title 1"/>
           <p:cNvSpPr>
             <a:spLocks noGrp="1"/>
           </p:cNvSpPr>
@@ -369,18 +340,13 @@
               <a:rPr lang="en-US"/>
               <a:t>Click to edit Master title style</a:t>
             </a:r>
+            <a:endParaRPr lang="en-US" dirty="0"/>
           </a:p>
         </p:txBody>
       </p:sp>
       <p:sp>
         <p:nvSpPr>
-          <p:cNvPr id="3" name="Vertical Text Placeholder 2">
-            <a:extLst>
-              <a:ext uri="{FF2B5EF4-FFF2-40B4-BE49-F238E27FC236}">
-                <a16:creationId xmlns:a16="http://schemas.microsoft.com/office/drawing/2014/main" id="{6E7BB91B-EBDB-4D53-B18D-2FA1531B248F}"/>
-              </a:ext>
-            </a:extLst>
-          </p:cNvPr>
+          <p:cNvPr id="3" name="Vertical Text Placeholder 2"/>
           <p:cNvSpPr>
             <a:spLocks noGrp="1"/>
           </p:cNvSpPr>
@@ -426,18 +392,13 @@
               <a:rPr lang="en-US"/>
               <a:t>Fifth level</a:t>
             </a:r>
+            <a:endParaRPr lang="en-US" dirty="0"/>
           </a:p>
         </p:txBody>
       </p:sp>
       <p:sp>
         <p:nvSpPr>
-          <p:cNvPr id="4" name="Date Placeholder 3">
-            <a:extLst>
-              <a:ext uri="{FF2B5EF4-FFF2-40B4-BE49-F238E27FC236}">
-                <a16:creationId xmlns:a16="http://schemas.microsoft.com/office/drawing/2014/main" id="{5E5729B5-6A9E-4570-A9D5-A0B6DDFC8323}"/>
-              </a:ext>
-            </a:extLst>
-          </p:cNvPr>
+          <p:cNvPr id="4" name="Date Placeholder 3"/>
           <p:cNvSpPr>
             <a:spLocks noGrp="1"/>
           </p:cNvSpPr>
@@ -452,7 +413,7 @@
           <a:p>
             <a:fld id="{C23224BE-BB9E-4ACF-86B7-8FB0A87457C3}" type="datetimeFigureOut">
               <a:rPr lang="en-US" smtClean="0"/>
-              <a:t>4/9/2019</a:t>
+              <a:t>4/10/2019</a:t>
             </a:fld>
             <a:endParaRPr lang="en-US"/>
           </a:p>
@@ -460,13 +421,7 @@
       </p:sp>
       <p:sp>
         <p:nvSpPr>
-          <p:cNvPr id="5" name="Footer Placeholder 4">
-            <a:extLst>
-              <a:ext uri="{FF2B5EF4-FFF2-40B4-BE49-F238E27FC236}">
-                <a16:creationId xmlns:a16="http://schemas.microsoft.com/office/drawing/2014/main" id="{85A4CD3F-2BCB-40ED-8378-8C567AD36166}"/>
-              </a:ext>
-            </a:extLst>
-          </p:cNvPr>
+          <p:cNvPr id="5" name="Footer Placeholder 4"/>
           <p:cNvSpPr>
             <a:spLocks noGrp="1"/>
           </p:cNvSpPr>
@@ -485,13 +440,7 @@
       </p:sp>
       <p:sp>
         <p:nvSpPr>
-          <p:cNvPr id="6" name="Slide Number Placeholder 5">
-            <a:extLst>
-              <a:ext uri="{FF2B5EF4-FFF2-40B4-BE49-F238E27FC236}">
-                <a16:creationId xmlns:a16="http://schemas.microsoft.com/office/drawing/2014/main" id="{A3FD93B3-93C4-4E83-8444-A5FE5C799885}"/>
-              </a:ext>
-            </a:extLst>
-          </p:cNvPr>
+          <p:cNvPr id="6" name="Slide Number Placeholder 5"/>
           <p:cNvSpPr>
             <a:spLocks noGrp="1"/>
           </p:cNvSpPr>
@@ -515,7 +464,7 @@
     </p:spTree>
     <p:extLst>
       <p:ext uri="{BB962C8B-B14F-4D97-AF65-F5344CB8AC3E}">
-        <p14:creationId xmlns:p14="http://schemas.microsoft.com/office/powerpoint/2010/main" val="3516685841"/>
+        <p14:creationId xmlns:p14="http://schemas.microsoft.com/office/powerpoint/2010/main" val="3843856402"/>
       </p:ext>
     </p:extLst>
   </p:cSld>
@@ -544,13 +493,7 @@
       </p:grpSpPr>
       <p:sp>
         <p:nvSpPr>
-          <p:cNvPr id="2" name="Vertical Title 1">
-            <a:extLst>
-              <a:ext uri="{FF2B5EF4-FFF2-40B4-BE49-F238E27FC236}">
-                <a16:creationId xmlns:a16="http://schemas.microsoft.com/office/drawing/2014/main" id="{EBB8F489-3C25-4C73-A604-2143A31A8C38}"/>
-              </a:ext>
-            </a:extLst>
-          </p:cNvPr>
+          <p:cNvPr id="2" name="Vertical Title 1"/>
           <p:cNvSpPr>
             <a:spLocks noGrp="1"/>
           </p:cNvSpPr>
@@ -560,8 +503,8 @@
         </p:nvSpPr>
         <p:spPr>
           <a:xfrm>
-            <a:off x="8724900" y="365125"/>
-            <a:ext cx="2628900" cy="5811838"/>
+            <a:off x="8724900" y="389467"/>
+            <a:ext cx="2628900" cy="6199294"/>
           </a:xfrm>
         </p:spPr>
         <p:txBody>
@@ -572,18 +515,13 @@
               <a:rPr lang="en-US"/>
               <a:t>Click to edit Master title style</a:t>
             </a:r>
+            <a:endParaRPr lang="en-US" dirty="0"/>
           </a:p>
         </p:txBody>
       </p:sp>
       <p:sp>
         <p:nvSpPr>
-          <p:cNvPr id="3" name="Vertical Text Placeholder 2">
-            <a:extLst>
-              <a:ext uri="{FF2B5EF4-FFF2-40B4-BE49-F238E27FC236}">
-                <a16:creationId xmlns:a16="http://schemas.microsoft.com/office/drawing/2014/main" id="{E24AC1DB-2393-460A-A595-27A17B5E57FC}"/>
-              </a:ext>
-            </a:extLst>
-          </p:cNvPr>
+          <p:cNvPr id="3" name="Vertical Text Placeholder 2"/>
           <p:cNvSpPr>
             <a:spLocks noGrp="1"/>
           </p:cNvSpPr>
@@ -593,8 +531,8 @@
         </p:nvSpPr>
         <p:spPr>
           <a:xfrm>
-            <a:off x="838200" y="365125"/>
-            <a:ext cx="7734300" cy="5811838"/>
+            <a:off x="838200" y="389467"/>
+            <a:ext cx="7734300" cy="6199294"/>
           </a:xfrm>
         </p:spPr>
         <p:txBody>
@@ -634,18 +572,13 @@
               <a:rPr lang="en-US"/>
               <a:t>Fifth level</a:t>
             </a:r>
+            <a:endParaRPr lang="en-US" dirty="0"/>
           </a:p>
         </p:txBody>
       </p:sp>
       <p:sp>
         <p:nvSpPr>
-          <p:cNvPr id="4" name="Date Placeholder 3">
-            <a:extLst>
-              <a:ext uri="{FF2B5EF4-FFF2-40B4-BE49-F238E27FC236}">
-                <a16:creationId xmlns:a16="http://schemas.microsoft.com/office/drawing/2014/main" id="{20D642A1-81B7-40D6-A737-64E9685D969E}"/>
-              </a:ext>
-            </a:extLst>
-          </p:cNvPr>
+          <p:cNvPr id="4" name="Date Placeholder 3"/>
           <p:cNvSpPr>
             <a:spLocks noGrp="1"/>
           </p:cNvSpPr>
@@ -660,7 +593,7 @@
           <a:p>
             <a:fld id="{C23224BE-BB9E-4ACF-86B7-8FB0A87457C3}" type="datetimeFigureOut">
               <a:rPr lang="en-US" smtClean="0"/>
-              <a:t>4/9/2019</a:t>
+              <a:t>4/10/2019</a:t>
             </a:fld>
             <a:endParaRPr lang="en-US"/>
           </a:p>
@@ -668,13 +601,7 @@
       </p:sp>
       <p:sp>
         <p:nvSpPr>
-          <p:cNvPr id="5" name="Footer Placeholder 4">
-            <a:extLst>
-              <a:ext uri="{FF2B5EF4-FFF2-40B4-BE49-F238E27FC236}">
-                <a16:creationId xmlns:a16="http://schemas.microsoft.com/office/drawing/2014/main" id="{19D1E61B-2BC5-49FF-80E1-508B79F03D89}"/>
-              </a:ext>
-            </a:extLst>
-          </p:cNvPr>
+          <p:cNvPr id="5" name="Footer Placeholder 4"/>
           <p:cNvSpPr>
             <a:spLocks noGrp="1"/>
           </p:cNvSpPr>
@@ -693,13 +620,7 @@
       </p:sp>
       <p:sp>
         <p:nvSpPr>
-          <p:cNvPr id="6" name="Slide Number Placeholder 5">
-            <a:extLst>
-              <a:ext uri="{FF2B5EF4-FFF2-40B4-BE49-F238E27FC236}">
-                <a16:creationId xmlns:a16="http://schemas.microsoft.com/office/drawing/2014/main" id="{63870C3F-6905-49C4-BC26-C58DCF2864CF}"/>
-              </a:ext>
-            </a:extLst>
-          </p:cNvPr>
+          <p:cNvPr id="6" name="Slide Number Placeholder 5"/>
           <p:cNvSpPr>
             <a:spLocks noGrp="1"/>
           </p:cNvSpPr>
@@ -723,7 +644,7 @@
     </p:spTree>
     <p:extLst>
       <p:ext uri="{BB962C8B-B14F-4D97-AF65-F5344CB8AC3E}">
-        <p14:creationId xmlns:p14="http://schemas.microsoft.com/office/powerpoint/2010/main" val="1850575791"/>
+        <p14:creationId xmlns:p14="http://schemas.microsoft.com/office/powerpoint/2010/main" val="482198635"/>
       </p:ext>
     </p:extLst>
   </p:cSld>
@@ -752,13 +673,7 @@
       </p:grpSpPr>
       <p:sp>
         <p:nvSpPr>
-          <p:cNvPr id="2" name="Title 1">
-            <a:extLst>
-              <a:ext uri="{FF2B5EF4-FFF2-40B4-BE49-F238E27FC236}">
-                <a16:creationId xmlns:a16="http://schemas.microsoft.com/office/drawing/2014/main" id="{91ADEBDC-414C-4F09-A651-46287534747B}"/>
-              </a:ext>
-            </a:extLst>
-          </p:cNvPr>
+          <p:cNvPr id="2" name="Title 1"/>
           <p:cNvSpPr>
             <a:spLocks noGrp="1"/>
           </p:cNvSpPr>
@@ -775,18 +690,13 @@
               <a:rPr lang="en-US"/>
               <a:t>Click to edit Master title style</a:t>
             </a:r>
+            <a:endParaRPr lang="en-US" dirty="0"/>
           </a:p>
         </p:txBody>
       </p:sp>
       <p:sp>
         <p:nvSpPr>
-          <p:cNvPr id="3" name="Content Placeholder 2">
-            <a:extLst>
-              <a:ext uri="{FF2B5EF4-FFF2-40B4-BE49-F238E27FC236}">
-                <a16:creationId xmlns:a16="http://schemas.microsoft.com/office/drawing/2014/main" id="{57C56E2E-9A8B-4ED7-B405-BFCD7EC6B231}"/>
-              </a:ext>
-            </a:extLst>
-          </p:cNvPr>
+          <p:cNvPr id="3" name="Content Placeholder 2"/>
           <p:cNvSpPr>
             <a:spLocks noGrp="1"/>
           </p:cNvSpPr>
@@ -832,18 +742,13 @@
               <a:rPr lang="en-US"/>
               <a:t>Fifth level</a:t>
             </a:r>
+            <a:endParaRPr lang="en-US" dirty="0"/>
           </a:p>
         </p:txBody>
       </p:sp>
       <p:sp>
         <p:nvSpPr>
-          <p:cNvPr id="4" name="Date Placeholder 3">
-            <a:extLst>
-              <a:ext uri="{FF2B5EF4-FFF2-40B4-BE49-F238E27FC236}">
-                <a16:creationId xmlns:a16="http://schemas.microsoft.com/office/drawing/2014/main" id="{702364D5-B84B-458E-B6C4-81EB0C3A32CE}"/>
-              </a:ext>
-            </a:extLst>
-          </p:cNvPr>
+          <p:cNvPr id="4" name="Date Placeholder 3"/>
           <p:cNvSpPr>
             <a:spLocks noGrp="1"/>
           </p:cNvSpPr>
@@ -858,7 +763,7 @@
           <a:p>
             <a:fld id="{C23224BE-BB9E-4ACF-86B7-8FB0A87457C3}" type="datetimeFigureOut">
               <a:rPr lang="en-US" smtClean="0"/>
-              <a:t>4/9/2019</a:t>
+              <a:t>4/10/2019</a:t>
             </a:fld>
             <a:endParaRPr lang="en-US"/>
           </a:p>
@@ -866,13 +771,7 @@
       </p:sp>
       <p:sp>
         <p:nvSpPr>
-          <p:cNvPr id="5" name="Footer Placeholder 4">
-            <a:extLst>
-              <a:ext uri="{FF2B5EF4-FFF2-40B4-BE49-F238E27FC236}">
-                <a16:creationId xmlns:a16="http://schemas.microsoft.com/office/drawing/2014/main" id="{0F2BBB66-3AF3-4122-BBF3-693AA5811FEB}"/>
-              </a:ext>
-            </a:extLst>
-          </p:cNvPr>
+          <p:cNvPr id="5" name="Footer Placeholder 4"/>
           <p:cNvSpPr>
             <a:spLocks noGrp="1"/>
           </p:cNvSpPr>
@@ -891,13 +790,7 @@
       </p:sp>
       <p:sp>
         <p:nvSpPr>
-          <p:cNvPr id="6" name="Slide Number Placeholder 5">
-            <a:extLst>
-              <a:ext uri="{FF2B5EF4-FFF2-40B4-BE49-F238E27FC236}">
-                <a16:creationId xmlns:a16="http://schemas.microsoft.com/office/drawing/2014/main" id="{390EE039-4C74-4DCE-B9B1-EF08D9BC990C}"/>
-              </a:ext>
-            </a:extLst>
-          </p:cNvPr>
+          <p:cNvPr id="6" name="Slide Number Placeholder 5"/>
           <p:cNvSpPr>
             <a:spLocks noGrp="1"/>
           </p:cNvSpPr>
@@ -921,7 +814,7 @@
     </p:spTree>
     <p:extLst>
       <p:ext uri="{BB962C8B-B14F-4D97-AF65-F5344CB8AC3E}">
-        <p14:creationId xmlns:p14="http://schemas.microsoft.com/office/powerpoint/2010/main" val="1793426618"/>
+        <p14:creationId xmlns:p14="http://schemas.microsoft.com/office/powerpoint/2010/main" val="3937814119"/>
       </p:ext>
     </p:extLst>
   </p:cSld>
@@ -950,13 +843,7 @@
       </p:grpSpPr>
       <p:sp>
         <p:nvSpPr>
-          <p:cNvPr id="2" name="Title 1">
-            <a:extLst>
-              <a:ext uri="{FF2B5EF4-FFF2-40B4-BE49-F238E27FC236}">
-                <a16:creationId xmlns:a16="http://schemas.microsoft.com/office/drawing/2014/main" id="{0BB937B8-867B-47B8-9D60-CF428622C989}"/>
-              </a:ext>
-            </a:extLst>
-          </p:cNvPr>
+          <p:cNvPr id="2" name="Title 1"/>
           <p:cNvSpPr>
             <a:spLocks noGrp="1"/>
           </p:cNvSpPr>
@@ -966,8 +853,8 @@
         </p:nvSpPr>
         <p:spPr>
           <a:xfrm>
-            <a:off x="831850" y="1709738"/>
-            <a:ext cx="10515600" cy="2852737"/>
+            <a:off x="831850" y="1823721"/>
+            <a:ext cx="10515600" cy="3042919"/>
           </a:xfrm>
         </p:spPr>
         <p:txBody>
@@ -982,18 +869,13 @@
               <a:rPr lang="en-US"/>
               <a:t>Click to edit Master title style</a:t>
             </a:r>
+            <a:endParaRPr lang="en-US" dirty="0"/>
           </a:p>
         </p:txBody>
       </p:sp>
       <p:sp>
         <p:nvSpPr>
-          <p:cNvPr id="3" name="Text Placeholder 2">
-            <a:extLst>
-              <a:ext uri="{FF2B5EF4-FFF2-40B4-BE49-F238E27FC236}">
-                <a16:creationId xmlns:a16="http://schemas.microsoft.com/office/drawing/2014/main" id="{D186D5FD-D3C7-469F-82DA-362E079968E1}"/>
-              </a:ext>
-            </a:extLst>
-          </p:cNvPr>
+          <p:cNvPr id="3" name="Text Placeholder 2"/>
           <p:cNvSpPr>
             <a:spLocks noGrp="1"/>
           </p:cNvSpPr>
@@ -1003,8 +885,8 @@
         </p:nvSpPr>
         <p:spPr>
           <a:xfrm>
-            <a:off x="831850" y="4589463"/>
-            <a:ext cx="10515600" cy="1500187"/>
+            <a:off x="831850" y="4895428"/>
+            <a:ext cx="10515600" cy="1600199"/>
           </a:xfrm>
         </p:spPr>
         <p:txBody>
@@ -1112,13 +994,7 @@
       </p:sp>
       <p:sp>
         <p:nvSpPr>
-          <p:cNvPr id="4" name="Date Placeholder 3">
-            <a:extLst>
-              <a:ext uri="{FF2B5EF4-FFF2-40B4-BE49-F238E27FC236}">
-                <a16:creationId xmlns:a16="http://schemas.microsoft.com/office/drawing/2014/main" id="{5EB34E9F-9746-4DD6-A9F5-D843C476AB25}"/>
-              </a:ext>
-            </a:extLst>
-          </p:cNvPr>
+          <p:cNvPr id="4" name="Date Placeholder 3"/>
           <p:cNvSpPr>
             <a:spLocks noGrp="1"/>
           </p:cNvSpPr>
@@ -1133,7 +1009,7 @@
           <a:p>
             <a:fld id="{C23224BE-BB9E-4ACF-86B7-8FB0A87457C3}" type="datetimeFigureOut">
               <a:rPr lang="en-US" smtClean="0"/>
-              <a:t>4/9/2019</a:t>
+              <a:t>4/10/2019</a:t>
             </a:fld>
             <a:endParaRPr lang="en-US"/>
           </a:p>
@@ -1141,13 +1017,7 @@
       </p:sp>
       <p:sp>
         <p:nvSpPr>
-          <p:cNvPr id="5" name="Footer Placeholder 4">
-            <a:extLst>
-              <a:ext uri="{FF2B5EF4-FFF2-40B4-BE49-F238E27FC236}">
-                <a16:creationId xmlns:a16="http://schemas.microsoft.com/office/drawing/2014/main" id="{D7D7B29D-2F85-4B12-9609-DB504ACE3969}"/>
-              </a:ext>
-            </a:extLst>
-          </p:cNvPr>
+          <p:cNvPr id="5" name="Footer Placeholder 4"/>
           <p:cNvSpPr>
             <a:spLocks noGrp="1"/>
           </p:cNvSpPr>
@@ -1166,13 +1036,7 @@
       </p:sp>
       <p:sp>
         <p:nvSpPr>
-          <p:cNvPr id="6" name="Slide Number Placeholder 5">
-            <a:extLst>
-              <a:ext uri="{FF2B5EF4-FFF2-40B4-BE49-F238E27FC236}">
-                <a16:creationId xmlns:a16="http://schemas.microsoft.com/office/drawing/2014/main" id="{E3FE2727-CCCC-46F5-8E73-E224632DDEE3}"/>
-              </a:ext>
-            </a:extLst>
-          </p:cNvPr>
+          <p:cNvPr id="6" name="Slide Number Placeholder 5"/>
           <p:cNvSpPr>
             <a:spLocks noGrp="1"/>
           </p:cNvSpPr>
@@ -1196,7 +1060,7 @@
     </p:spTree>
     <p:extLst>
       <p:ext uri="{BB962C8B-B14F-4D97-AF65-F5344CB8AC3E}">
-        <p14:creationId xmlns:p14="http://schemas.microsoft.com/office/powerpoint/2010/main" val="2988211737"/>
+        <p14:creationId xmlns:p14="http://schemas.microsoft.com/office/powerpoint/2010/main" val="2695606442"/>
       </p:ext>
     </p:extLst>
   </p:cSld>
@@ -1225,13 +1089,7 @@
       </p:grpSpPr>
       <p:sp>
         <p:nvSpPr>
-          <p:cNvPr id="2" name="Title 1">
-            <a:extLst>
-              <a:ext uri="{FF2B5EF4-FFF2-40B4-BE49-F238E27FC236}">
-                <a16:creationId xmlns:a16="http://schemas.microsoft.com/office/drawing/2014/main" id="{1A905938-C71B-42E3-A7BD-542FB89405B5}"/>
-              </a:ext>
-            </a:extLst>
-          </p:cNvPr>
+          <p:cNvPr id="2" name="Title 1"/>
           <p:cNvSpPr>
             <a:spLocks noGrp="1"/>
           </p:cNvSpPr>
@@ -1248,18 +1106,13 @@
               <a:rPr lang="en-US"/>
               <a:t>Click to edit Master title style</a:t>
             </a:r>
+            <a:endParaRPr lang="en-US" dirty="0"/>
           </a:p>
         </p:txBody>
       </p:sp>
       <p:sp>
         <p:nvSpPr>
-          <p:cNvPr id="3" name="Content Placeholder 2">
-            <a:extLst>
-              <a:ext uri="{FF2B5EF4-FFF2-40B4-BE49-F238E27FC236}">
-                <a16:creationId xmlns:a16="http://schemas.microsoft.com/office/drawing/2014/main" id="{D1ED4E95-5B12-4E24-853E-C91E00E0DB24}"/>
-              </a:ext>
-            </a:extLst>
-          </p:cNvPr>
+          <p:cNvPr id="3" name="Content Placeholder 2"/>
           <p:cNvSpPr>
             <a:spLocks noGrp="1"/>
           </p:cNvSpPr>
@@ -1269,8 +1122,8 @@
         </p:nvSpPr>
         <p:spPr>
           <a:xfrm>
-            <a:off x="838200" y="1825625"/>
-            <a:ext cx="5181600" cy="4351338"/>
+            <a:off x="838200" y="1947333"/>
+            <a:ext cx="5181600" cy="4641427"/>
           </a:xfrm>
         </p:spPr>
         <p:txBody>
@@ -1310,18 +1163,13 @@
               <a:rPr lang="en-US"/>
               <a:t>Fifth level</a:t>
             </a:r>
+            <a:endParaRPr lang="en-US" dirty="0"/>
           </a:p>
         </p:txBody>
       </p:sp>
       <p:sp>
         <p:nvSpPr>
-          <p:cNvPr id="4" name="Content Placeholder 3">
-            <a:extLst>
-              <a:ext uri="{FF2B5EF4-FFF2-40B4-BE49-F238E27FC236}">
-                <a16:creationId xmlns:a16="http://schemas.microsoft.com/office/drawing/2014/main" id="{D55F83EE-02A0-4EA9-9BE0-B7B0A0C8DA33}"/>
-              </a:ext>
-            </a:extLst>
-          </p:cNvPr>
+          <p:cNvPr id="4" name="Content Placeholder 3"/>
           <p:cNvSpPr>
             <a:spLocks noGrp="1"/>
           </p:cNvSpPr>
@@ -1331,8 +1179,8 @@
         </p:nvSpPr>
         <p:spPr>
           <a:xfrm>
-            <a:off x="6172200" y="1825625"/>
-            <a:ext cx="5181600" cy="4351338"/>
+            <a:off x="6172200" y="1947333"/>
+            <a:ext cx="5181600" cy="4641427"/>
           </a:xfrm>
         </p:spPr>
         <p:txBody>
@@ -1372,18 +1220,13 @@
               <a:rPr lang="en-US"/>
               <a:t>Fifth level</a:t>
             </a:r>
+            <a:endParaRPr lang="en-US" dirty="0"/>
           </a:p>
         </p:txBody>
       </p:sp>
       <p:sp>
         <p:nvSpPr>
-          <p:cNvPr id="5" name="Date Placeholder 4">
-            <a:extLst>
-              <a:ext uri="{FF2B5EF4-FFF2-40B4-BE49-F238E27FC236}">
-                <a16:creationId xmlns:a16="http://schemas.microsoft.com/office/drawing/2014/main" id="{042520A1-AEFC-42A2-9354-8C58A90CB4BE}"/>
-              </a:ext>
-            </a:extLst>
-          </p:cNvPr>
+          <p:cNvPr id="5" name="Date Placeholder 4"/>
           <p:cNvSpPr>
             <a:spLocks noGrp="1"/>
           </p:cNvSpPr>
@@ -1398,7 +1241,7 @@
           <a:p>
             <a:fld id="{C23224BE-BB9E-4ACF-86B7-8FB0A87457C3}" type="datetimeFigureOut">
               <a:rPr lang="en-US" smtClean="0"/>
-              <a:t>4/9/2019</a:t>
+              <a:t>4/10/2019</a:t>
             </a:fld>
             <a:endParaRPr lang="en-US"/>
           </a:p>
@@ -1406,13 +1249,7 @@
       </p:sp>
       <p:sp>
         <p:nvSpPr>
-          <p:cNvPr id="6" name="Footer Placeholder 5">
-            <a:extLst>
-              <a:ext uri="{FF2B5EF4-FFF2-40B4-BE49-F238E27FC236}">
-                <a16:creationId xmlns:a16="http://schemas.microsoft.com/office/drawing/2014/main" id="{B263325C-03E0-473C-B1A8-0DA1AC4CE83A}"/>
-              </a:ext>
-            </a:extLst>
-          </p:cNvPr>
+          <p:cNvPr id="6" name="Footer Placeholder 5"/>
           <p:cNvSpPr>
             <a:spLocks noGrp="1"/>
           </p:cNvSpPr>
@@ -1431,13 +1268,7 @@
       </p:sp>
       <p:sp>
         <p:nvSpPr>
-          <p:cNvPr id="7" name="Slide Number Placeholder 6">
-            <a:extLst>
-              <a:ext uri="{FF2B5EF4-FFF2-40B4-BE49-F238E27FC236}">
-                <a16:creationId xmlns:a16="http://schemas.microsoft.com/office/drawing/2014/main" id="{047D58FD-8A70-40C1-9CAB-3EC2D1345494}"/>
-              </a:ext>
-            </a:extLst>
-          </p:cNvPr>
+          <p:cNvPr id="7" name="Slide Number Placeholder 6"/>
           <p:cNvSpPr>
             <a:spLocks noGrp="1"/>
           </p:cNvSpPr>
@@ -1461,7 +1292,7 @@
     </p:spTree>
     <p:extLst>
       <p:ext uri="{BB962C8B-B14F-4D97-AF65-F5344CB8AC3E}">
-        <p14:creationId xmlns:p14="http://schemas.microsoft.com/office/powerpoint/2010/main" val="1665184809"/>
+        <p14:creationId xmlns:p14="http://schemas.microsoft.com/office/powerpoint/2010/main" val="3591061479"/>
       </p:ext>
     </p:extLst>
   </p:cSld>
@@ -1490,13 +1321,7 @@
       </p:grpSpPr>
       <p:sp>
         <p:nvSpPr>
-          <p:cNvPr id="2" name="Title 1">
-            <a:extLst>
-              <a:ext uri="{FF2B5EF4-FFF2-40B4-BE49-F238E27FC236}">
-                <a16:creationId xmlns:a16="http://schemas.microsoft.com/office/drawing/2014/main" id="{EAB11B28-BB51-46F1-9783-20B862EF074C}"/>
-              </a:ext>
-            </a:extLst>
-          </p:cNvPr>
+          <p:cNvPr id="2" name="Title 1"/>
           <p:cNvSpPr>
             <a:spLocks noGrp="1"/>
           </p:cNvSpPr>
@@ -1506,8 +1331,8 @@
         </p:nvSpPr>
         <p:spPr>
           <a:xfrm>
-            <a:off x="839788" y="365125"/>
-            <a:ext cx="10515600" cy="1325563"/>
+            <a:off x="839788" y="389467"/>
+            <a:ext cx="10515600" cy="1413934"/>
           </a:xfrm>
         </p:spPr>
         <p:txBody>
@@ -1518,18 +1343,13 @@
               <a:rPr lang="en-US"/>
               <a:t>Click to edit Master title style</a:t>
             </a:r>
+            <a:endParaRPr lang="en-US" dirty="0"/>
           </a:p>
         </p:txBody>
       </p:sp>
       <p:sp>
         <p:nvSpPr>
-          <p:cNvPr id="3" name="Text Placeholder 2">
-            <a:extLst>
-              <a:ext uri="{FF2B5EF4-FFF2-40B4-BE49-F238E27FC236}">
-                <a16:creationId xmlns:a16="http://schemas.microsoft.com/office/drawing/2014/main" id="{27D6E268-1A26-4B53-9A22-60CD79A6EB4B}"/>
-              </a:ext>
-            </a:extLst>
-          </p:cNvPr>
+          <p:cNvPr id="3" name="Text Placeholder 2"/>
           <p:cNvSpPr>
             <a:spLocks noGrp="1"/>
           </p:cNvSpPr>
@@ -1539,8 +1359,8 @@
         </p:nvSpPr>
         <p:spPr>
           <a:xfrm>
-            <a:off x="839788" y="1681163"/>
-            <a:ext cx="5157787" cy="823912"/>
+            <a:off x="839789" y="1793241"/>
+            <a:ext cx="5157787" cy="878839"/>
           </a:xfrm>
         </p:spPr>
         <p:txBody>
@@ -1594,13 +1414,7 @@
       </p:sp>
       <p:sp>
         <p:nvSpPr>
-          <p:cNvPr id="4" name="Content Placeholder 3">
-            <a:extLst>
-              <a:ext uri="{FF2B5EF4-FFF2-40B4-BE49-F238E27FC236}">
-                <a16:creationId xmlns:a16="http://schemas.microsoft.com/office/drawing/2014/main" id="{37D6E55A-9E96-4B91-91C3-28E64FEBC61F}"/>
-              </a:ext>
-            </a:extLst>
-          </p:cNvPr>
+          <p:cNvPr id="4" name="Content Placeholder 3"/>
           <p:cNvSpPr>
             <a:spLocks noGrp="1"/>
           </p:cNvSpPr>
@@ -1610,8 +1424,8 @@
         </p:nvSpPr>
         <p:spPr>
           <a:xfrm>
-            <a:off x="839788" y="2505075"/>
-            <a:ext cx="5157787" cy="3684588"/>
+            <a:off x="839789" y="2672080"/>
+            <a:ext cx="5157787" cy="3930227"/>
           </a:xfrm>
         </p:spPr>
         <p:txBody>
@@ -1651,18 +1465,13 @@
               <a:rPr lang="en-US"/>
               <a:t>Fifth level</a:t>
             </a:r>
+            <a:endParaRPr lang="en-US" dirty="0"/>
           </a:p>
         </p:txBody>
       </p:sp>
       <p:sp>
         <p:nvSpPr>
-          <p:cNvPr id="5" name="Text Placeholder 4">
-            <a:extLst>
-              <a:ext uri="{FF2B5EF4-FFF2-40B4-BE49-F238E27FC236}">
-                <a16:creationId xmlns:a16="http://schemas.microsoft.com/office/drawing/2014/main" id="{EA5C0E85-F836-4D69-9B07-4C75EA51BAC3}"/>
-              </a:ext>
-            </a:extLst>
-          </p:cNvPr>
+          <p:cNvPr id="5" name="Text Placeholder 4"/>
           <p:cNvSpPr>
             <a:spLocks noGrp="1"/>
           </p:cNvSpPr>
@@ -1672,8 +1481,8 @@
         </p:nvSpPr>
         <p:spPr>
           <a:xfrm>
-            <a:off x="6172200" y="1681163"/>
-            <a:ext cx="5183188" cy="823912"/>
+            <a:off x="6172200" y="1793241"/>
+            <a:ext cx="5183188" cy="878839"/>
           </a:xfrm>
         </p:spPr>
         <p:txBody>
@@ -1727,13 +1536,7 @@
       </p:sp>
       <p:sp>
         <p:nvSpPr>
-          <p:cNvPr id="6" name="Content Placeholder 5">
-            <a:extLst>
-              <a:ext uri="{FF2B5EF4-FFF2-40B4-BE49-F238E27FC236}">
-                <a16:creationId xmlns:a16="http://schemas.microsoft.com/office/drawing/2014/main" id="{2572F58B-7C79-486F-961B-4CAA24E16011}"/>
-              </a:ext>
-            </a:extLst>
-          </p:cNvPr>
+          <p:cNvPr id="6" name="Content Placeholder 5"/>
           <p:cNvSpPr>
             <a:spLocks noGrp="1"/>
           </p:cNvSpPr>
@@ -1743,8 +1546,8 @@
         </p:nvSpPr>
         <p:spPr>
           <a:xfrm>
-            <a:off x="6172200" y="2505075"/>
-            <a:ext cx="5183188" cy="3684588"/>
+            <a:off x="6172200" y="2672080"/>
+            <a:ext cx="5183188" cy="3930227"/>
           </a:xfrm>
         </p:spPr>
         <p:txBody>
@@ -1784,18 +1587,13 @@
               <a:rPr lang="en-US"/>
               <a:t>Fifth level</a:t>
             </a:r>
+            <a:endParaRPr lang="en-US" dirty="0"/>
           </a:p>
         </p:txBody>
       </p:sp>
       <p:sp>
         <p:nvSpPr>
-          <p:cNvPr id="7" name="Date Placeholder 6">
-            <a:extLst>
-              <a:ext uri="{FF2B5EF4-FFF2-40B4-BE49-F238E27FC236}">
-                <a16:creationId xmlns:a16="http://schemas.microsoft.com/office/drawing/2014/main" id="{804698EC-8358-4B21-9973-E88788A0E1FC}"/>
-              </a:ext>
-            </a:extLst>
-          </p:cNvPr>
+          <p:cNvPr id="7" name="Date Placeholder 6"/>
           <p:cNvSpPr>
             <a:spLocks noGrp="1"/>
           </p:cNvSpPr>
@@ -1810,7 +1608,7 @@
           <a:p>
             <a:fld id="{C23224BE-BB9E-4ACF-86B7-8FB0A87457C3}" type="datetimeFigureOut">
               <a:rPr lang="en-US" smtClean="0"/>
-              <a:t>4/9/2019</a:t>
+              <a:t>4/10/2019</a:t>
             </a:fld>
             <a:endParaRPr lang="en-US"/>
           </a:p>
@@ -1818,13 +1616,7 @@
       </p:sp>
       <p:sp>
         <p:nvSpPr>
-          <p:cNvPr id="8" name="Footer Placeholder 7">
-            <a:extLst>
-              <a:ext uri="{FF2B5EF4-FFF2-40B4-BE49-F238E27FC236}">
-                <a16:creationId xmlns:a16="http://schemas.microsoft.com/office/drawing/2014/main" id="{DDD1958C-851B-43AE-B10E-816B5C153756}"/>
-              </a:ext>
-            </a:extLst>
-          </p:cNvPr>
+          <p:cNvPr id="8" name="Footer Placeholder 7"/>
           <p:cNvSpPr>
             <a:spLocks noGrp="1"/>
           </p:cNvSpPr>
@@ -1843,13 +1635,7 @@
       </p:sp>
       <p:sp>
         <p:nvSpPr>
-          <p:cNvPr id="9" name="Slide Number Placeholder 8">
-            <a:extLst>
-              <a:ext uri="{FF2B5EF4-FFF2-40B4-BE49-F238E27FC236}">
-                <a16:creationId xmlns:a16="http://schemas.microsoft.com/office/drawing/2014/main" id="{D7DD4B6B-BB1D-4A38-B28A-0FC2DF7B9E34}"/>
-              </a:ext>
-            </a:extLst>
-          </p:cNvPr>
+          <p:cNvPr id="9" name="Slide Number Placeholder 8"/>
           <p:cNvSpPr>
             <a:spLocks noGrp="1"/>
           </p:cNvSpPr>
@@ -1873,7 +1659,7 @@
     </p:spTree>
     <p:extLst>
       <p:ext uri="{BB962C8B-B14F-4D97-AF65-F5344CB8AC3E}">
-        <p14:creationId xmlns:p14="http://schemas.microsoft.com/office/powerpoint/2010/main" val="2479320238"/>
+        <p14:creationId xmlns:p14="http://schemas.microsoft.com/office/powerpoint/2010/main" val="1418362927"/>
       </p:ext>
     </p:extLst>
   </p:cSld>
@@ -1902,13 +1688,7 @@
       </p:grpSpPr>
       <p:sp>
         <p:nvSpPr>
-          <p:cNvPr id="2" name="Title 1">
-            <a:extLst>
-              <a:ext uri="{FF2B5EF4-FFF2-40B4-BE49-F238E27FC236}">
-                <a16:creationId xmlns:a16="http://schemas.microsoft.com/office/drawing/2014/main" id="{0EAF5489-EE10-4ADD-856C-51DE2701CC80}"/>
-              </a:ext>
-            </a:extLst>
-          </p:cNvPr>
+          <p:cNvPr id="2" name="Title 1"/>
           <p:cNvSpPr>
             <a:spLocks noGrp="1"/>
           </p:cNvSpPr>
@@ -1925,18 +1705,13 @@
               <a:rPr lang="en-US"/>
               <a:t>Click to edit Master title style</a:t>
             </a:r>
+            <a:endParaRPr lang="en-US" dirty="0"/>
           </a:p>
         </p:txBody>
       </p:sp>
       <p:sp>
         <p:nvSpPr>
-          <p:cNvPr id="3" name="Date Placeholder 2">
-            <a:extLst>
-              <a:ext uri="{FF2B5EF4-FFF2-40B4-BE49-F238E27FC236}">
-                <a16:creationId xmlns:a16="http://schemas.microsoft.com/office/drawing/2014/main" id="{E93467D7-4E11-44CC-BE63-E19293E3EE2C}"/>
-              </a:ext>
-            </a:extLst>
-          </p:cNvPr>
+          <p:cNvPr id="3" name="Date Placeholder 2"/>
           <p:cNvSpPr>
             <a:spLocks noGrp="1"/>
           </p:cNvSpPr>
@@ -1951,7 +1726,7 @@
           <a:p>
             <a:fld id="{C23224BE-BB9E-4ACF-86B7-8FB0A87457C3}" type="datetimeFigureOut">
               <a:rPr lang="en-US" smtClean="0"/>
-              <a:t>4/9/2019</a:t>
+              <a:t>4/10/2019</a:t>
             </a:fld>
             <a:endParaRPr lang="en-US"/>
           </a:p>
@@ -1959,13 +1734,7 @@
       </p:sp>
       <p:sp>
         <p:nvSpPr>
-          <p:cNvPr id="4" name="Footer Placeholder 3">
-            <a:extLst>
-              <a:ext uri="{FF2B5EF4-FFF2-40B4-BE49-F238E27FC236}">
-                <a16:creationId xmlns:a16="http://schemas.microsoft.com/office/drawing/2014/main" id="{A1609857-1B52-4CBE-9F0B-4AA60471C3DA}"/>
-              </a:ext>
-            </a:extLst>
-          </p:cNvPr>
+          <p:cNvPr id="4" name="Footer Placeholder 3"/>
           <p:cNvSpPr>
             <a:spLocks noGrp="1"/>
           </p:cNvSpPr>
@@ -1984,13 +1753,7 @@
       </p:sp>
       <p:sp>
         <p:nvSpPr>
-          <p:cNvPr id="5" name="Slide Number Placeholder 4">
-            <a:extLst>
-              <a:ext uri="{FF2B5EF4-FFF2-40B4-BE49-F238E27FC236}">
-                <a16:creationId xmlns:a16="http://schemas.microsoft.com/office/drawing/2014/main" id="{14E8BF99-AC2D-4739-B938-50532C0097EF}"/>
-              </a:ext>
-            </a:extLst>
-          </p:cNvPr>
+          <p:cNvPr id="5" name="Slide Number Placeholder 4"/>
           <p:cNvSpPr>
             <a:spLocks noGrp="1"/>
           </p:cNvSpPr>
@@ -2014,7 +1777,7 @@
     </p:spTree>
     <p:extLst>
       <p:ext uri="{BB962C8B-B14F-4D97-AF65-F5344CB8AC3E}">
-        <p14:creationId xmlns:p14="http://schemas.microsoft.com/office/powerpoint/2010/main" val="3656141637"/>
+        <p14:creationId xmlns:p14="http://schemas.microsoft.com/office/powerpoint/2010/main" val="1604840238"/>
       </p:ext>
     </p:extLst>
   </p:cSld>
@@ -2043,13 +1806,7 @@
       </p:grpSpPr>
       <p:sp>
         <p:nvSpPr>
-          <p:cNvPr id="2" name="Date Placeholder 1">
-            <a:extLst>
-              <a:ext uri="{FF2B5EF4-FFF2-40B4-BE49-F238E27FC236}">
-                <a16:creationId xmlns:a16="http://schemas.microsoft.com/office/drawing/2014/main" id="{E977945C-BF13-4D7B-B303-77402DD41F61}"/>
-              </a:ext>
-            </a:extLst>
-          </p:cNvPr>
+          <p:cNvPr id="2" name="Date Placeholder 1"/>
           <p:cNvSpPr>
             <a:spLocks noGrp="1"/>
           </p:cNvSpPr>
@@ -2064,7 +1821,7 @@
           <a:p>
             <a:fld id="{C23224BE-BB9E-4ACF-86B7-8FB0A87457C3}" type="datetimeFigureOut">
               <a:rPr lang="en-US" smtClean="0"/>
-              <a:t>4/9/2019</a:t>
+              <a:t>4/10/2019</a:t>
             </a:fld>
             <a:endParaRPr lang="en-US"/>
           </a:p>
@@ -2072,13 +1829,7 @@
       </p:sp>
       <p:sp>
         <p:nvSpPr>
-          <p:cNvPr id="3" name="Footer Placeholder 2">
-            <a:extLst>
-              <a:ext uri="{FF2B5EF4-FFF2-40B4-BE49-F238E27FC236}">
-                <a16:creationId xmlns:a16="http://schemas.microsoft.com/office/drawing/2014/main" id="{9C01D637-AFA4-44B7-95D6-9E1BB96BFF1D}"/>
-              </a:ext>
-            </a:extLst>
-          </p:cNvPr>
+          <p:cNvPr id="3" name="Footer Placeholder 2"/>
           <p:cNvSpPr>
             <a:spLocks noGrp="1"/>
           </p:cNvSpPr>
@@ -2097,13 +1848,7 @@
       </p:sp>
       <p:sp>
         <p:nvSpPr>
-          <p:cNvPr id="4" name="Slide Number Placeholder 3">
-            <a:extLst>
-              <a:ext uri="{FF2B5EF4-FFF2-40B4-BE49-F238E27FC236}">
-                <a16:creationId xmlns:a16="http://schemas.microsoft.com/office/drawing/2014/main" id="{AB1BA148-6392-4544-92D7-BB9F3C573800}"/>
-              </a:ext>
-            </a:extLst>
-          </p:cNvPr>
+          <p:cNvPr id="4" name="Slide Number Placeholder 3"/>
           <p:cNvSpPr>
             <a:spLocks noGrp="1"/>
           </p:cNvSpPr>
@@ -2127,7 +1872,7 @@
     </p:spTree>
     <p:extLst>
       <p:ext uri="{BB962C8B-B14F-4D97-AF65-F5344CB8AC3E}">
-        <p14:creationId xmlns:p14="http://schemas.microsoft.com/office/powerpoint/2010/main" val="1256633904"/>
+        <p14:creationId xmlns:p14="http://schemas.microsoft.com/office/powerpoint/2010/main" val="3615283105"/>
       </p:ext>
     </p:extLst>
   </p:cSld>
@@ -2156,13 +1901,7 @@
       </p:grpSpPr>
       <p:sp>
         <p:nvSpPr>
-          <p:cNvPr id="2" name="Title 1">
-            <a:extLst>
-              <a:ext uri="{FF2B5EF4-FFF2-40B4-BE49-F238E27FC236}">
-                <a16:creationId xmlns:a16="http://schemas.microsoft.com/office/drawing/2014/main" id="{8D4E7ECC-76CB-456F-9662-D370DEAC8816}"/>
-              </a:ext>
-            </a:extLst>
-          </p:cNvPr>
+          <p:cNvPr id="2" name="Title 1"/>
           <p:cNvSpPr>
             <a:spLocks noGrp="1"/>
           </p:cNvSpPr>
@@ -2172,8 +1911,8 @@
         </p:nvSpPr>
         <p:spPr>
           <a:xfrm>
-            <a:off x="839788" y="457200"/>
-            <a:ext cx="3932237" cy="1600200"/>
+            <a:off x="839789" y="487680"/>
+            <a:ext cx="3932237" cy="1706880"/>
           </a:xfrm>
         </p:spPr>
         <p:txBody>
@@ -2188,18 +1927,13 @@
               <a:rPr lang="en-US"/>
               <a:t>Click to edit Master title style</a:t>
             </a:r>
+            <a:endParaRPr lang="en-US" dirty="0"/>
           </a:p>
         </p:txBody>
       </p:sp>
       <p:sp>
         <p:nvSpPr>
-          <p:cNvPr id="3" name="Content Placeholder 2">
-            <a:extLst>
-              <a:ext uri="{FF2B5EF4-FFF2-40B4-BE49-F238E27FC236}">
-                <a16:creationId xmlns:a16="http://schemas.microsoft.com/office/drawing/2014/main" id="{9419C27D-9E98-473D-BB07-31A94D17499C}"/>
-              </a:ext>
-            </a:extLst>
-          </p:cNvPr>
+          <p:cNvPr id="3" name="Content Placeholder 2"/>
           <p:cNvSpPr>
             <a:spLocks noGrp="1"/>
           </p:cNvSpPr>
@@ -2209,8 +1943,8 @@
         </p:nvSpPr>
         <p:spPr>
           <a:xfrm>
-            <a:off x="5183188" y="987425"/>
-            <a:ext cx="6172200" cy="4873625"/>
+            <a:off x="5183188" y="1053254"/>
+            <a:ext cx="6172200" cy="5198533"/>
           </a:xfrm>
         </p:spPr>
         <p:txBody>
@@ -2278,18 +2012,13 @@
               <a:rPr lang="en-US"/>
               <a:t>Fifth level</a:t>
             </a:r>
+            <a:endParaRPr lang="en-US" dirty="0"/>
           </a:p>
         </p:txBody>
       </p:sp>
       <p:sp>
         <p:nvSpPr>
-          <p:cNvPr id="4" name="Text Placeholder 3">
-            <a:extLst>
-              <a:ext uri="{FF2B5EF4-FFF2-40B4-BE49-F238E27FC236}">
-                <a16:creationId xmlns:a16="http://schemas.microsoft.com/office/drawing/2014/main" id="{54BC173E-3024-44AE-BF02-8992ACEF38CF}"/>
-              </a:ext>
-            </a:extLst>
-          </p:cNvPr>
+          <p:cNvPr id="4" name="Text Placeholder 3"/>
           <p:cNvSpPr>
             <a:spLocks noGrp="1"/>
           </p:cNvSpPr>
@@ -2299,8 +2028,8 @@
         </p:nvSpPr>
         <p:spPr>
           <a:xfrm>
-            <a:off x="839788" y="2057400"/>
-            <a:ext cx="3932237" cy="3811588"/>
+            <a:off x="839789" y="2194560"/>
+            <a:ext cx="3932237" cy="4065694"/>
           </a:xfrm>
         </p:spPr>
         <p:txBody>
@@ -2354,13 +2083,7 @@
       </p:sp>
       <p:sp>
         <p:nvSpPr>
-          <p:cNvPr id="5" name="Date Placeholder 4">
-            <a:extLst>
-              <a:ext uri="{FF2B5EF4-FFF2-40B4-BE49-F238E27FC236}">
-                <a16:creationId xmlns:a16="http://schemas.microsoft.com/office/drawing/2014/main" id="{4A89D47E-80B2-445E-8183-4B9FBB29BD8A}"/>
-              </a:ext>
-            </a:extLst>
-          </p:cNvPr>
+          <p:cNvPr id="5" name="Date Placeholder 4"/>
           <p:cNvSpPr>
             <a:spLocks noGrp="1"/>
           </p:cNvSpPr>
@@ -2375,7 +2098,7 @@
           <a:p>
             <a:fld id="{C23224BE-BB9E-4ACF-86B7-8FB0A87457C3}" type="datetimeFigureOut">
               <a:rPr lang="en-US" smtClean="0"/>
-              <a:t>4/9/2019</a:t>
+              <a:t>4/10/2019</a:t>
             </a:fld>
             <a:endParaRPr lang="en-US"/>
           </a:p>
@@ -2383,13 +2106,7 @@
       </p:sp>
       <p:sp>
         <p:nvSpPr>
-          <p:cNvPr id="6" name="Footer Placeholder 5">
-            <a:extLst>
-              <a:ext uri="{FF2B5EF4-FFF2-40B4-BE49-F238E27FC236}">
-                <a16:creationId xmlns:a16="http://schemas.microsoft.com/office/drawing/2014/main" id="{58D2187E-D97B-4A7C-BF56-9BD943FB6B8A}"/>
-              </a:ext>
-            </a:extLst>
-          </p:cNvPr>
+          <p:cNvPr id="6" name="Footer Placeholder 5"/>
           <p:cNvSpPr>
             <a:spLocks noGrp="1"/>
           </p:cNvSpPr>
@@ -2408,13 +2125,7 @@
       </p:sp>
       <p:sp>
         <p:nvSpPr>
-          <p:cNvPr id="7" name="Slide Number Placeholder 6">
-            <a:extLst>
-              <a:ext uri="{FF2B5EF4-FFF2-40B4-BE49-F238E27FC236}">
-                <a16:creationId xmlns:a16="http://schemas.microsoft.com/office/drawing/2014/main" id="{14015D2F-22D4-4076-8586-8C84E605824D}"/>
-              </a:ext>
-            </a:extLst>
-          </p:cNvPr>
+          <p:cNvPr id="7" name="Slide Number Placeholder 6"/>
           <p:cNvSpPr>
             <a:spLocks noGrp="1"/>
           </p:cNvSpPr>
@@ -2438,7 +2149,7 @@
     </p:spTree>
     <p:extLst>
       <p:ext uri="{BB962C8B-B14F-4D97-AF65-F5344CB8AC3E}">
-        <p14:creationId xmlns:p14="http://schemas.microsoft.com/office/powerpoint/2010/main" val="2669822944"/>
+        <p14:creationId xmlns:p14="http://schemas.microsoft.com/office/powerpoint/2010/main" val="4263890065"/>
       </p:ext>
     </p:extLst>
   </p:cSld>
@@ -2467,13 +2178,7 @@
       </p:grpSpPr>
       <p:sp>
         <p:nvSpPr>
-          <p:cNvPr id="2" name="Title 1">
-            <a:extLst>
-              <a:ext uri="{FF2B5EF4-FFF2-40B4-BE49-F238E27FC236}">
-                <a16:creationId xmlns:a16="http://schemas.microsoft.com/office/drawing/2014/main" id="{CA446F2D-0D1A-431C-B4D7-B988A0CD95B1}"/>
-              </a:ext>
-            </a:extLst>
-          </p:cNvPr>
+          <p:cNvPr id="2" name="Title 1"/>
           <p:cNvSpPr>
             <a:spLocks noGrp="1"/>
           </p:cNvSpPr>
@@ -2483,8 +2188,8 @@
         </p:nvSpPr>
         <p:spPr>
           <a:xfrm>
-            <a:off x="839788" y="457200"/>
-            <a:ext cx="3932237" cy="1600200"/>
+            <a:off x="839789" y="487680"/>
+            <a:ext cx="3932237" cy="1706880"/>
           </a:xfrm>
         </p:spPr>
         <p:txBody>
@@ -2499,20 +2204,15 @@
               <a:rPr lang="en-US"/>
               <a:t>Click to edit Master title style</a:t>
             </a:r>
+            <a:endParaRPr lang="en-US" dirty="0"/>
           </a:p>
         </p:txBody>
       </p:sp>
       <p:sp>
         <p:nvSpPr>
-          <p:cNvPr id="3" name="Picture Placeholder 2">
-            <a:extLst>
-              <a:ext uri="{FF2B5EF4-FFF2-40B4-BE49-F238E27FC236}">
-                <a16:creationId xmlns:a16="http://schemas.microsoft.com/office/drawing/2014/main" id="{7D023796-FBA9-4337-B288-D582584E796D}"/>
-              </a:ext>
-            </a:extLst>
-          </p:cNvPr>
+          <p:cNvPr id="3" name="Picture Placeholder 2"/>
           <p:cNvSpPr>
-            <a:spLocks noGrp="1"/>
+            <a:spLocks noGrp="1" noChangeAspect="1"/>
           </p:cNvSpPr>
           <p:nvPr>
             <p:ph type="pic" idx="1"/>
@@ -2520,12 +2220,12 @@
         </p:nvSpPr>
         <p:spPr>
           <a:xfrm>
-            <a:off x="5183188" y="987425"/>
-            <a:ext cx="6172200" cy="4873625"/>
+            <a:off x="5183188" y="1053254"/>
+            <a:ext cx="6172200" cy="5198533"/>
           </a:xfrm>
         </p:spPr>
         <p:txBody>
-          <a:bodyPr/>
+          <a:bodyPr anchor="t"/>
           <a:lstStyle>
             <a:lvl1pPr marL="0" indent="0">
               <a:buNone/>
@@ -2565,19 +2265,17 @@
             </a:lvl9pPr>
           </a:lstStyle>
           <a:p>
-            <a:endParaRPr lang="en-US"/>
+            <a:r>
+              <a:rPr lang="en-US"/>
+              <a:t>Click icon to add picture</a:t>
+            </a:r>
+            <a:endParaRPr lang="en-US" dirty="0"/>
           </a:p>
         </p:txBody>
       </p:sp>
       <p:sp>
         <p:nvSpPr>
-          <p:cNvPr id="4" name="Text Placeholder 3">
-            <a:extLst>
-              <a:ext uri="{FF2B5EF4-FFF2-40B4-BE49-F238E27FC236}">
-                <a16:creationId xmlns:a16="http://schemas.microsoft.com/office/drawing/2014/main" id="{A69B81BB-025A-4B22-B60F-311D5E617CA0}"/>
-              </a:ext>
-            </a:extLst>
-          </p:cNvPr>
+          <p:cNvPr id="4" name="Text Placeholder 3"/>
           <p:cNvSpPr>
             <a:spLocks noGrp="1"/>
           </p:cNvSpPr>
@@ -2587,8 +2285,8 @@
         </p:nvSpPr>
         <p:spPr>
           <a:xfrm>
-            <a:off x="839788" y="2057400"/>
-            <a:ext cx="3932237" cy="3811588"/>
+            <a:off x="839789" y="2194560"/>
+            <a:ext cx="3932237" cy="4065694"/>
           </a:xfrm>
         </p:spPr>
         <p:txBody>
@@ -2642,13 +2340,7 @@
       </p:sp>
       <p:sp>
         <p:nvSpPr>
-          <p:cNvPr id="5" name="Date Placeholder 4">
-            <a:extLst>
-              <a:ext uri="{FF2B5EF4-FFF2-40B4-BE49-F238E27FC236}">
-                <a16:creationId xmlns:a16="http://schemas.microsoft.com/office/drawing/2014/main" id="{FF9C9522-ADAB-4F07-AF1B-13EC521D4673}"/>
-              </a:ext>
-            </a:extLst>
-          </p:cNvPr>
+          <p:cNvPr id="5" name="Date Placeholder 4"/>
           <p:cNvSpPr>
             <a:spLocks noGrp="1"/>
           </p:cNvSpPr>
@@ -2663,7 +2355,7 @@
           <a:p>
             <a:fld id="{C23224BE-BB9E-4ACF-86B7-8FB0A87457C3}" type="datetimeFigureOut">
               <a:rPr lang="en-US" smtClean="0"/>
-              <a:t>4/9/2019</a:t>
+              <a:t>4/10/2019</a:t>
             </a:fld>
             <a:endParaRPr lang="en-US"/>
           </a:p>
@@ -2671,13 +2363,7 @@
       </p:sp>
       <p:sp>
         <p:nvSpPr>
-          <p:cNvPr id="6" name="Footer Placeholder 5">
-            <a:extLst>
-              <a:ext uri="{FF2B5EF4-FFF2-40B4-BE49-F238E27FC236}">
-                <a16:creationId xmlns:a16="http://schemas.microsoft.com/office/drawing/2014/main" id="{13F920CB-9079-4029-A66A-3C9B1CBADAB0}"/>
-              </a:ext>
-            </a:extLst>
-          </p:cNvPr>
+          <p:cNvPr id="6" name="Footer Placeholder 5"/>
           <p:cNvSpPr>
             <a:spLocks noGrp="1"/>
           </p:cNvSpPr>
@@ -2696,13 +2382,7 @@
       </p:sp>
       <p:sp>
         <p:nvSpPr>
-          <p:cNvPr id="7" name="Slide Number Placeholder 6">
-            <a:extLst>
-              <a:ext uri="{FF2B5EF4-FFF2-40B4-BE49-F238E27FC236}">
-                <a16:creationId xmlns:a16="http://schemas.microsoft.com/office/drawing/2014/main" id="{59CA4EF4-9680-402E-A024-67B8ECDD3063}"/>
-              </a:ext>
-            </a:extLst>
-          </p:cNvPr>
+          <p:cNvPr id="7" name="Slide Number Placeholder 6"/>
           <p:cNvSpPr>
             <a:spLocks noGrp="1"/>
           </p:cNvSpPr>
@@ -2726,7 +2406,7 @@
     </p:spTree>
     <p:extLst>
       <p:ext uri="{BB962C8B-B14F-4D97-AF65-F5344CB8AC3E}">
-        <p14:creationId xmlns:p14="http://schemas.microsoft.com/office/powerpoint/2010/main" val="4146644338"/>
+        <p14:creationId xmlns:p14="http://schemas.microsoft.com/office/powerpoint/2010/main" val="3085158344"/>
       </p:ext>
     </p:extLst>
   </p:cSld>
@@ -2760,13 +2440,7 @@
       </p:grpSpPr>
       <p:sp>
         <p:nvSpPr>
-          <p:cNvPr id="2" name="Title Placeholder 1">
-            <a:extLst>
-              <a:ext uri="{FF2B5EF4-FFF2-40B4-BE49-F238E27FC236}">
-                <a16:creationId xmlns:a16="http://schemas.microsoft.com/office/drawing/2014/main" id="{994FC0CF-0E26-4C74-9BC0-DCF43819E643}"/>
-              </a:ext>
-            </a:extLst>
-          </p:cNvPr>
+          <p:cNvPr id="2" name="Title Placeholder 1"/>
           <p:cNvSpPr>
             <a:spLocks noGrp="1"/>
           </p:cNvSpPr>
@@ -2776,8 +2450,8 @@
         </p:nvSpPr>
         <p:spPr>
           <a:xfrm>
-            <a:off x="838200" y="365125"/>
-            <a:ext cx="10515600" cy="1325563"/>
+            <a:off x="838200" y="389467"/>
+            <a:ext cx="10515600" cy="1413934"/>
           </a:xfrm>
           <a:prstGeom prst="rect">
             <a:avLst/>
@@ -2793,18 +2467,13 @@
               <a:rPr lang="en-US"/>
               <a:t>Click to edit Master title style</a:t>
             </a:r>
+            <a:endParaRPr lang="en-US" dirty="0"/>
           </a:p>
         </p:txBody>
       </p:sp>
       <p:sp>
         <p:nvSpPr>
-          <p:cNvPr id="3" name="Text Placeholder 2">
-            <a:extLst>
-              <a:ext uri="{FF2B5EF4-FFF2-40B4-BE49-F238E27FC236}">
-                <a16:creationId xmlns:a16="http://schemas.microsoft.com/office/drawing/2014/main" id="{4C576C6B-47F0-40D9-847F-09F11040C10A}"/>
-              </a:ext>
-            </a:extLst>
-          </p:cNvPr>
+          <p:cNvPr id="3" name="Text Placeholder 2"/>
           <p:cNvSpPr>
             <a:spLocks noGrp="1"/>
           </p:cNvSpPr>
@@ -2814,8 +2483,8 @@
         </p:nvSpPr>
         <p:spPr>
           <a:xfrm>
-            <a:off x="838200" y="1825625"/>
-            <a:ext cx="10515600" cy="4351338"/>
+            <a:off x="838200" y="1947333"/>
+            <a:ext cx="10515600" cy="4641427"/>
           </a:xfrm>
           <a:prstGeom prst="rect">
             <a:avLst/>
@@ -2860,18 +2529,13 @@
               <a:rPr lang="en-US"/>
               <a:t>Fifth level</a:t>
             </a:r>
+            <a:endParaRPr lang="en-US" dirty="0"/>
           </a:p>
         </p:txBody>
       </p:sp>
       <p:sp>
         <p:nvSpPr>
-          <p:cNvPr id="4" name="Date Placeholder 3">
-            <a:extLst>
-              <a:ext uri="{FF2B5EF4-FFF2-40B4-BE49-F238E27FC236}">
-                <a16:creationId xmlns:a16="http://schemas.microsoft.com/office/drawing/2014/main" id="{DE6E09A4-2F2D-4951-9AF2-E59EDC074B08}"/>
-              </a:ext>
-            </a:extLst>
-          </p:cNvPr>
+          <p:cNvPr id="4" name="Date Placeholder 3"/>
           <p:cNvSpPr>
             <a:spLocks noGrp="1"/>
           </p:cNvSpPr>
@@ -2881,8 +2545,8 @@
         </p:nvSpPr>
         <p:spPr>
           <a:xfrm>
-            <a:off x="838200" y="6356350"/>
-            <a:ext cx="2743200" cy="365125"/>
+            <a:off x="838200" y="6780107"/>
+            <a:ext cx="2743200" cy="389467"/>
           </a:xfrm>
           <a:prstGeom prst="rect">
             <a:avLst/>
@@ -2904,7 +2568,7 @@
           <a:p>
             <a:fld id="{C23224BE-BB9E-4ACF-86B7-8FB0A87457C3}" type="datetimeFigureOut">
               <a:rPr lang="en-US" smtClean="0"/>
-              <a:t>4/9/2019</a:t>
+              <a:t>4/10/2019</a:t>
             </a:fld>
             <a:endParaRPr lang="en-US"/>
           </a:p>
@@ -2912,13 +2576,7 @@
       </p:sp>
       <p:sp>
         <p:nvSpPr>
-          <p:cNvPr id="5" name="Footer Placeholder 4">
-            <a:extLst>
-              <a:ext uri="{FF2B5EF4-FFF2-40B4-BE49-F238E27FC236}">
-                <a16:creationId xmlns:a16="http://schemas.microsoft.com/office/drawing/2014/main" id="{D5830CC8-708A-4700-BB6B-4AD2730D8979}"/>
-              </a:ext>
-            </a:extLst>
-          </p:cNvPr>
+          <p:cNvPr id="5" name="Footer Placeholder 4"/>
           <p:cNvSpPr>
             <a:spLocks noGrp="1"/>
           </p:cNvSpPr>
@@ -2928,8 +2586,8 @@
         </p:nvSpPr>
         <p:spPr>
           <a:xfrm>
-            <a:off x="4038600" y="6356350"/>
-            <a:ext cx="4114800" cy="365125"/>
+            <a:off x="4038600" y="6780107"/>
+            <a:ext cx="4114800" cy="389467"/>
           </a:xfrm>
           <a:prstGeom prst="rect">
             <a:avLst/>
@@ -2955,13 +2613,7 @@
       </p:sp>
       <p:sp>
         <p:nvSpPr>
-          <p:cNvPr id="6" name="Slide Number Placeholder 5">
-            <a:extLst>
-              <a:ext uri="{FF2B5EF4-FFF2-40B4-BE49-F238E27FC236}">
-                <a16:creationId xmlns:a16="http://schemas.microsoft.com/office/drawing/2014/main" id="{47566879-5556-4083-894C-7D86EA4D300D}"/>
-              </a:ext>
-            </a:extLst>
-          </p:cNvPr>
+          <p:cNvPr id="6" name="Slide Number Placeholder 5"/>
           <p:cNvSpPr>
             <a:spLocks noGrp="1"/>
           </p:cNvSpPr>
@@ -2971,8 +2623,8 @@
         </p:nvSpPr>
         <p:spPr>
           <a:xfrm>
-            <a:off x="8610600" y="6356350"/>
-            <a:ext cx="2743200" cy="365125"/>
+            <a:off x="8610600" y="6780107"/>
+            <a:ext cx="2743200" cy="389467"/>
           </a:xfrm>
           <a:prstGeom prst="rect">
             <a:avLst/>
@@ -3003,23 +2655,23 @@
     </p:spTree>
     <p:extLst>
       <p:ext uri="{BB962C8B-B14F-4D97-AF65-F5344CB8AC3E}">
-        <p14:creationId xmlns:p14="http://schemas.microsoft.com/office/powerpoint/2010/main" val="592734643"/>
+        <p14:creationId xmlns:p14="http://schemas.microsoft.com/office/powerpoint/2010/main" val="2901462508"/>
       </p:ext>
     </p:extLst>
   </p:cSld>
   <p:clrMap bg1="lt1" tx1="dk1" bg2="lt2" tx2="dk2" accent1="accent1" accent2="accent2" accent3="accent3" accent4="accent4" accent5="accent5" accent6="accent6" hlink="hlink" folHlink="folHlink"/>
   <p:sldLayoutIdLst>
-    <p:sldLayoutId id="2147483649" r:id="rId1"/>
-    <p:sldLayoutId id="2147483650" r:id="rId2"/>
-    <p:sldLayoutId id="2147483651" r:id="rId3"/>
-    <p:sldLayoutId id="2147483652" r:id="rId4"/>
-    <p:sldLayoutId id="2147483653" r:id="rId5"/>
-    <p:sldLayoutId id="2147483654" r:id="rId6"/>
-    <p:sldLayoutId id="2147483655" r:id="rId7"/>
-    <p:sldLayoutId id="2147483656" r:id="rId8"/>
-    <p:sldLayoutId id="2147483657" r:id="rId9"/>
-    <p:sldLayoutId id="2147483658" r:id="rId10"/>
-    <p:sldLayoutId id="2147483659" r:id="rId11"/>
+    <p:sldLayoutId id="2147483661" r:id="rId1"/>
+    <p:sldLayoutId id="2147483662" r:id="rId2"/>
+    <p:sldLayoutId id="2147483663" r:id="rId3"/>
+    <p:sldLayoutId id="2147483664" r:id="rId4"/>
+    <p:sldLayoutId id="2147483665" r:id="rId5"/>
+    <p:sldLayoutId id="2147483666" r:id="rId6"/>
+    <p:sldLayoutId id="2147483667" r:id="rId7"/>
+    <p:sldLayoutId id="2147483668" r:id="rId8"/>
+    <p:sldLayoutId id="2147483669" r:id="rId9"/>
+    <p:sldLayoutId id="2147483670" r:id="rId10"/>
+    <p:sldLayoutId id="2147483671" r:id="rId11"/>
   </p:sldLayoutIdLst>
   <p:txStyles>
     <p:titleStyle>
@@ -3335,7 +2987,7 @@
         </p:nvSpPr>
         <p:spPr>
           <a:xfrm>
-            <a:off x="255061" y="469948"/>
+            <a:off x="255062" y="520748"/>
             <a:ext cx="503539" cy="445546"/>
           </a:xfrm>
           <a:prstGeom prst="flowChartDocument">
@@ -3387,7 +3039,7 @@
         </p:nvGrpSpPr>
         <p:grpSpPr>
           <a:xfrm>
-            <a:off x="801004" y="781369"/>
+            <a:off x="801004" y="832169"/>
             <a:ext cx="859872" cy="5248448"/>
             <a:chOff x="1083228" y="596307"/>
             <a:chExt cx="2045449" cy="5248448"/>
@@ -5362,7 +5014,7 @@
         </p:nvSpPr>
         <p:spPr>
           <a:xfrm>
-            <a:off x="2794500" y="202963"/>
+            <a:off x="2794500" y="253763"/>
             <a:ext cx="859872" cy="164014"/>
           </a:xfrm>
           <a:prstGeom prst="rect">
@@ -5422,14 +5074,14 @@
         </p:nvSpPr>
         <p:spPr>
           <a:xfrm>
-            <a:off x="2794500" y="38949"/>
+            <a:off x="2794500" y="89749"/>
             <a:ext cx="859872" cy="164014"/>
           </a:xfrm>
           <a:prstGeom prst="rect">
             <a:avLst/>
           </a:prstGeom>
           <a:solidFill>
-            <a:schemeClr val="accent5">
+            <a:schemeClr val="accent1">
               <a:lumMod val="40000"/>
               <a:lumOff val="60000"/>
             </a:schemeClr>
@@ -5482,7 +5134,7 @@
         </p:nvSpPr>
         <p:spPr>
           <a:xfrm>
-            <a:off x="2794500" y="530991"/>
+            <a:off x="2794500" y="581791"/>
             <a:ext cx="859872" cy="164014"/>
           </a:xfrm>
           <a:prstGeom prst="rect">
@@ -5542,14 +5194,14 @@
         </p:nvSpPr>
         <p:spPr>
           <a:xfrm>
-            <a:off x="2794500" y="366977"/>
+            <a:off x="2794500" y="417777"/>
             <a:ext cx="859872" cy="164014"/>
           </a:xfrm>
           <a:prstGeom prst="rect">
             <a:avLst/>
           </a:prstGeom>
           <a:solidFill>
-            <a:schemeClr val="accent5">
+            <a:schemeClr val="accent1">
               <a:lumMod val="40000"/>
               <a:lumOff val="60000"/>
             </a:schemeClr>
@@ -5584,7 +5236,7 @@
           <a:lstStyle/>
           <a:p>
             <a:pPr algn="ctr"/>
-            <a:endParaRPr lang="en-US"/>
+            <a:endParaRPr lang="en-US" dirty="0"/>
           </a:p>
         </p:txBody>
       </p:sp>
@@ -5602,7 +5254,7 @@
         </p:nvSpPr>
         <p:spPr>
           <a:xfrm>
-            <a:off x="2794500" y="859019"/>
+            <a:off x="2794500" y="909819"/>
             <a:ext cx="859872" cy="164014"/>
           </a:xfrm>
           <a:prstGeom prst="rect">
@@ -5662,7 +5314,7 @@
         </p:nvSpPr>
         <p:spPr>
           <a:xfrm>
-            <a:off x="2794500" y="695005"/>
+            <a:off x="2794500" y="745805"/>
             <a:ext cx="859872" cy="164014"/>
           </a:xfrm>
           <a:prstGeom prst="rect">
@@ -5722,7 +5374,7 @@
         </p:nvSpPr>
         <p:spPr>
           <a:xfrm>
-            <a:off x="2794500" y="1187047"/>
+            <a:off x="2794500" y="1237847"/>
             <a:ext cx="859872" cy="164014"/>
           </a:xfrm>
           <a:prstGeom prst="rect">
@@ -5782,7 +5434,7 @@
         </p:nvSpPr>
         <p:spPr>
           <a:xfrm>
-            <a:off x="2794500" y="1023033"/>
+            <a:off x="2794500" y="1073833"/>
             <a:ext cx="859872" cy="164014"/>
           </a:xfrm>
           <a:prstGeom prst="rect">
@@ -5846,7 +5498,7 @@
         </p:nvCxnSpPr>
         <p:spPr>
           <a:xfrm>
-            <a:off x="3224436" y="38949"/>
+            <a:off x="3224436" y="89749"/>
             <a:ext cx="0" cy="1312112"/>
           </a:xfrm>
           <a:prstGeom prst="line">
@@ -5890,7 +5542,7 @@
         </p:nvGrpSpPr>
         <p:grpSpPr>
           <a:xfrm>
-            <a:off x="2809740" y="1906029"/>
+            <a:off x="2809740" y="1956829"/>
             <a:ext cx="859872" cy="1312112"/>
             <a:chOff x="3091965" y="1906029"/>
             <a:chExt cx="859872" cy="1312112"/>
@@ -6439,7 +6091,7 @@
         </p:nvGrpSpPr>
         <p:grpSpPr>
           <a:xfrm>
-            <a:off x="2838366" y="3726903"/>
+            <a:off x="2838366" y="3777703"/>
             <a:ext cx="859872" cy="1312112"/>
             <a:chOff x="3120591" y="3726903"/>
             <a:chExt cx="859872" cy="1312112"/>
@@ -6988,7 +6640,7 @@
         </p:nvGrpSpPr>
         <p:grpSpPr>
           <a:xfrm>
-            <a:off x="2838366" y="5480572"/>
+            <a:off x="2838366" y="5531372"/>
             <a:ext cx="859872" cy="1312112"/>
             <a:chOff x="3120591" y="5480572"/>
             <a:chExt cx="859872" cy="1312112"/>
@@ -7541,7 +7193,7 @@
         </p:nvCxnSpPr>
         <p:spPr>
           <a:xfrm flipV="1">
-            <a:off x="1660876" y="120956"/>
+            <a:off x="1660876" y="171756"/>
             <a:ext cx="1133624" cy="742420"/>
           </a:xfrm>
           <a:prstGeom prst="straightConnector1">
@@ -7590,7 +7242,7 @@
         </p:nvCxnSpPr>
         <p:spPr>
           <a:xfrm flipV="1">
-            <a:off x="1660876" y="1269054"/>
+            <a:off x="1660876" y="1319854"/>
             <a:ext cx="1133624" cy="742420"/>
           </a:xfrm>
           <a:prstGeom prst="straightConnector1">
@@ -7639,7 +7291,7 @@
         </p:nvCxnSpPr>
         <p:spPr>
           <a:xfrm flipV="1">
-            <a:off x="1660876" y="1988036"/>
+            <a:off x="1660876" y="2038836"/>
             <a:ext cx="1148864" cy="187452"/>
           </a:xfrm>
           <a:prstGeom prst="straightConnector1">
@@ -7688,7 +7340,7 @@
         </p:nvCxnSpPr>
         <p:spPr>
           <a:xfrm flipV="1">
-            <a:off x="1660876" y="3136134"/>
+            <a:off x="1660876" y="3186934"/>
             <a:ext cx="1148864" cy="187452"/>
           </a:xfrm>
           <a:prstGeom prst="straightConnector1">
@@ -7737,7 +7389,7 @@
         </p:nvCxnSpPr>
         <p:spPr>
           <a:xfrm>
-            <a:off x="1660876" y="3487600"/>
+            <a:off x="1660876" y="3538400"/>
             <a:ext cx="1177490" cy="321310"/>
           </a:xfrm>
           <a:prstGeom prst="straightConnector1">
@@ -7786,7 +7438,7 @@
         </p:nvCxnSpPr>
         <p:spPr>
           <a:xfrm>
-            <a:off x="1660876" y="4635698"/>
+            <a:off x="1660876" y="4686498"/>
             <a:ext cx="1177490" cy="321310"/>
           </a:xfrm>
           <a:prstGeom prst="straightConnector1">
@@ -7835,7 +7487,7 @@
         </p:nvCxnSpPr>
         <p:spPr>
           <a:xfrm>
-            <a:off x="1660876" y="4799712"/>
+            <a:off x="1660876" y="4850513"/>
             <a:ext cx="1177490" cy="762867"/>
           </a:xfrm>
           <a:prstGeom prst="straightConnector1">
@@ -7884,7 +7536,7 @@
         </p:nvCxnSpPr>
         <p:spPr>
           <a:xfrm>
-            <a:off x="1660876" y="5947810"/>
+            <a:off x="1660876" y="5998611"/>
             <a:ext cx="1177490" cy="762867"/>
           </a:xfrm>
           <a:prstGeom prst="straightConnector1">
@@ -7929,7 +7581,7 @@
         </p:nvGrpSpPr>
         <p:grpSpPr>
           <a:xfrm>
-            <a:off x="7022868" y="36665"/>
+            <a:off x="7264168" y="87465"/>
             <a:ext cx="859872" cy="1312112"/>
             <a:chOff x="2917794" y="596307"/>
             <a:chExt cx="859872" cy="1312112"/>
@@ -8467,7 +8119,7 @@
         </p:nvGrpSpPr>
         <p:grpSpPr>
           <a:xfrm>
-            <a:off x="7038108" y="1903745"/>
+            <a:off x="7279408" y="1954545"/>
             <a:ext cx="859872" cy="1312112"/>
             <a:chOff x="2917794" y="596307"/>
             <a:chExt cx="859872" cy="1312112"/>
@@ -9005,7 +8657,7 @@
         </p:nvGrpSpPr>
         <p:grpSpPr>
           <a:xfrm>
-            <a:off x="7066734" y="3724619"/>
+            <a:off x="7308034" y="3775419"/>
             <a:ext cx="859872" cy="1312112"/>
             <a:chOff x="2917794" y="596307"/>
             <a:chExt cx="859872" cy="1312112"/>
@@ -9543,7 +9195,7 @@
         </p:nvGrpSpPr>
         <p:grpSpPr>
           <a:xfrm>
-            <a:off x="7066734" y="5478288"/>
+            <a:off x="7308034" y="5529088"/>
             <a:ext cx="859872" cy="1312112"/>
             <a:chOff x="2917794" y="596307"/>
             <a:chExt cx="859872" cy="1312112"/>
@@ -10081,7 +9733,7 @@
         </p:nvSpPr>
         <p:spPr>
           <a:xfrm>
-            <a:off x="4566472" y="214358"/>
+            <a:off x="4248972" y="265158"/>
             <a:ext cx="859872" cy="164014"/>
           </a:xfrm>
           <a:prstGeom prst="rect">
@@ -10141,7 +9793,7 @@
         </p:nvSpPr>
         <p:spPr>
           <a:xfrm>
-            <a:off x="4566472" y="50344"/>
+            <a:off x="4248972" y="101144"/>
             <a:ext cx="859872" cy="164014"/>
           </a:xfrm>
           <a:prstGeom prst="rect">
@@ -10201,7 +9853,7 @@
         </p:nvSpPr>
         <p:spPr>
           <a:xfrm>
-            <a:off x="4566472" y="542386"/>
+            <a:off x="4248972" y="593186"/>
             <a:ext cx="859872" cy="164014"/>
           </a:xfrm>
           <a:prstGeom prst="rect">
@@ -10261,7 +9913,7 @@
         </p:nvSpPr>
         <p:spPr>
           <a:xfrm>
-            <a:off x="4566472" y="378372"/>
+            <a:off x="4248972" y="429172"/>
             <a:ext cx="859872" cy="164014"/>
           </a:xfrm>
           <a:prstGeom prst="rect">
@@ -10321,7 +9973,7 @@
         </p:nvSpPr>
         <p:spPr>
           <a:xfrm>
-            <a:off x="4566472" y="870414"/>
+            <a:off x="4248972" y="921214"/>
             <a:ext cx="859872" cy="164014"/>
           </a:xfrm>
           <a:prstGeom prst="rect">
@@ -10381,7 +10033,7 @@
         </p:nvSpPr>
         <p:spPr>
           <a:xfrm>
-            <a:off x="4566472" y="706400"/>
+            <a:off x="4248972" y="757200"/>
             <a:ext cx="859872" cy="164014"/>
           </a:xfrm>
           <a:prstGeom prst="rect">
@@ -10441,7 +10093,7 @@
         </p:nvSpPr>
         <p:spPr>
           <a:xfrm>
-            <a:off x="4566472" y="1198442"/>
+            <a:off x="4248972" y="1249242"/>
             <a:ext cx="859872" cy="164014"/>
           </a:xfrm>
           <a:prstGeom prst="rect">
@@ -10501,7 +10153,7 @@
         </p:nvSpPr>
         <p:spPr>
           <a:xfrm>
-            <a:off x="4566472" y="1034428"/>
+            <a:off x="4248972" y="1085228"/>
             <a:ext cx="859872" cy="164014"/>
           </a:xfrm>
           <a:prstGeom prst="rect">
@@ -10565,7 +10217,7 @@
         </p:nvCxnSpPr>
         <p:spPr>
           <a:xfrm>
-            <a:off x="4996408" y="50344"/>
+            <a:off x="4678908" y="101144"/>
             <a:ext cx="0" cy="1312112"/>
           </a:xfrm>
           <a:prstGeom prst="line">
@@ -10609,7 +10261,7 @@
         </p:nvSpPr>
         <p:spPr>
           <a:xfrm>
-            <a:off x="4581712" y="2081438"/>
+            <a:off x="4264212" y="2132238"/>
             <a:ext cx="859872" cy="164014"/>
           </a:xfrm>
           <a:prstGeom prst="rect">
@@ -10669,7 +10321,7 @@
         </p:nvSpPr>
         <p:spPr>
           <a:xfrm>
-            <a:off x="4581712" y="1917424"/>
+            <a:off x="4264212" y="1968224"/>
             <a:ext cx="859872" cy="164014"/>
           </a:xfrm>
           <a:prstGeom prst="rect">
@@ -10729,7 +10381,7 @@
         </p:nvSpPr>
         <p:spPr>
           <a:xfrm>
-            <a:off x="4581712" y="2409466"/>
+            <a:off x="4264212" y="2460266"/>
             <a:ext cx="859872" cy="164014"/>
           </a:xfrm>
           <a:prstGeom prst="rect">
@@ -10789,7 +10441,7 @@
         </p:nvSpPr>
         <p:spPr>
           <a:xfrm>
-            <a:off x="4581712" y="2245452"/>
+            <a:off x="4264212" y="2296252"/>
             <a:ext cx="859872" cy="164014"/>
           </a:xfrm>
           <a:prstGeom prst="rect">
@@ -10849,7 +10501,7 @@
         </p:nvSpPr>
         <p:spPr>
           <a:xfrm>
-            <a:off x="4581712" y="2737494"/>
+            <a:off x="4264212" y="2788294"/>
             <a:ext cx="859872" cy="164014"/>
           </a:xfrm>
           <a:prstGeom prst="rect">
@@ -10909,7 +10561,7 @@
         </p:nvSpPr>
         <p:spPr>
           <a:xfrm>
-            <a:off x="4581712" y="2573480"/>
+            <a:off x="4264212" y="2624280"/>
             <a:ext cx="859872" cy="164014"/>
           </a:xfrm>
           <a:prstGeom prst="rect">
@@ -10969,7 +10621,7 @@
         </p:nvSpPr>
         <p:spPr>
           <a:xfrm>
-            <a:off x="4581712" y="3065522"/>
+            <a:off x="4264212" y="3116322"/>
             <a:ext cx="859872" cy="164014"/>
           </a:xfrm>
           <a:prstGeom prst="rect">
@@ -11029,7 +10681,7 @@
         </p:nvSpPr>
         <p:spPr>
           <a:xfrm>
-            <a:off x="4581712" y="2901508"/>
+            <a:off x="4264212" y="2952308"/>
             <a:ext cx="859872" cy="164014"/>
           </a:xfrm>
           <a:prstGeom prst="rect">
@@ -11093,7 +10745,7 @@
         </p:nvCxnSpPr>
         <p:spPr>
           <a:xfrm>
-            <a:off x="5011648" y="1917424"/>
+            <a:off x="4694148" y="1968224"/>
             <a:ext cx="0" cy="1312112"/>
           </a:xfrm>
           <a:prstGeom prst="line">
@@ -11137,7 +10789,7 @@
         </p:nvSpPr>
         <p:spPr>
           <a:xfrm>
-            <a:off x="4610338" y="3902312"/>
+            <a:off x="4292838" y="3953112"/>
             <a:ext cx="859872" cy="164014"/>
           </a:xfrm>
           <a:prstGeom prst="rect">
@@ -11197,7 +10849,7 @@
         </p:nvSpPr>
         <p:spPr>
           <a:xfrm>
-            <a:off x="4610338" y="3738298"/>
+            <a:off x="4292838" y="3789098"/>
             <a:ext cx="859872" cy="164014"/>
           </a:xfrm>
           <a:prstGeom prst="rect">
@@ -11257,7 +10909,7 @@
         </p:nvSpPr>
         <p:spPr>
           <a:xfrm>
-            <a:off x="4610338" y="4230340"/>
+            <a:off x="4292838" y="4281140"/>
             <a:ext cx="859872" cy="164014"/>
           </a:xfrm>
           <a:prstGeom prst="rect">
@@ -11317,7 +10969,7 @@
         </p:nvSpPr>
         <p:spPr>
           <a:xfrm>
-            <a:off x="4610338" y="4066326"/>
+            <a:off x="4292838" y="4117126"/>
             <a:ext cx="859872" cy="164014"/>
           </a:xfrm>
           <a:prstGeom prst="rect">
@@ -11377,7 +11029,7 @@
         </p:nvSpPr>
         <p:spPr>
           <a:xfrm>
-            <a:off x="4610338" y="4558368"/>
+            <a:off x="4292838" y="4609168"/>
             <a:ext cx="859872" cy="164014"/>
           </a:xfrm>
           <a:prstGeom prst="rect">
@@ -11437,7 +11089,7 @@
         </p:nvSpPr>
         <p:spPr>
           <a:xfrm>
-            <a:off x="4610338" y="4394354"/>
+            <a:off x="4292838" y="4445154"/>
             <a:ext cx="859872" cy="164014"/>
           </a:xfrm>
           <a:prstGeom prst="rect">
@@ -11497,7 +11149,7 @@
         </p:nvSpPr>
         <p:spPr>
           <a:xfrm>
-            <a:off x="4610338" y="4886396"/>
+            <a:off x="4292838" y="4937196"/>
             <a:ext cx="859872" cy="164014"/>
           </a:xfrm>
           <a:prstGeom prst="rect">
@@ -11557,7 +11209,7 @@
         </p:nvSpPr>
         <p:spPr>
           <a:xfrm>
-            <a:off x="4610338" y="4722382"/>
+            <a:off x="4292838" y="4773182"/>
             <a:ext cx="859872" cy="164014"/>
           </a:xfrm>
           <a:prstGeom prst="rect">
@@ -11621,7 +11273,7 @@
         </p:nvCxnSpPr>
         <p:spPr>
           <a:xfrm>
-            <a:off x="5040274" y="3738298"/>
+            <a:off x="4722774" y="3789098"/>
             <a:ext cx="0" cy="1312112"/>
           </a:xfrm>
           <a:prstGeom prst="line">
@@ -11665,7 +11317,7 @@
         </p:nvSpPr>
         <p:spPr>
           <a:xfrm>
-            <a:off x="4610338" y="5655981"/>
+            <a:off x="4292838" y="5706781"/>
             <a:ext cx="859872" cy="164014"/>
           </a:xfrm>
           <a:prstGeom prst="rect">
@@ -11725,7 +11377,7 @@
         </p:nvSpPr>
         <p:spPr>
           <a:xfrm>
-            <a:off x="4610338" y="5491967"/>
+            <a:off x="4292838" y="5542767"/>
             <a:ext cx="859872" cy="164014"/>
           </a:xfrm>
           <a:prstGeom prst="rect">
@@ -11785,7 +11437,7 @@
         </p:nvSpPr>
         <p:spPr>
           <a:xfrm>
-            <a:off x="4610338" y="5984009"/>
+            <a:off x="4292838" y="6034809"/>
             <a:ext cx="859872" cy="164014"/>
           </a:xfrm>
           <a:prstGeom prst="rect">
@@ -11845,7 +11497,7 @@
         </p:nvSpPr>
         <p:spPr>
           <a:xfrm>
-            <a:off x="4610338" y="5819995"/>
+            <a:off x="4292838" y="5870795"/>
             <a:ext cx="859872" cy="164014"/>
           </a:xfrm>
           <a:prstGeom prst="rect">
@@ -11905,7 +11557,7 @@
         </p:nvSpPr>
         <p:spPr>
           <a:xfrm>
-            <a:off x="4610338" y="6312037"/>
+            <a:off x="4292838" y="6362837"/>
             <a:ext cx="859872" cy="164014"/>
           </a:xfrm>
           <a:prstGeom prst="rect">
@@ -11965,7 +11617,7 @@
         </p:nvSpPr>
         <p:spPr>
           <a:xfrm>
-            <a:off x="4610338" y="6148023"/>
+            <a:off x="4292838" y="6198823"/>
             <a:ext cx="859872" cy="164014"/>
           </a:xfrm>
           <a:prstGeom prst="rect">
@@ -12025,7 +11677,7 @@
         </p:nvSpPr>
         <p:spPr>
           <a:xfrm>
-            <a:off x="4610338" y="6640065"/>
+            <a:off x="4292838" y="6690865"/>
             <a:ext cx="859872" cy="164014"/>
           </a:xfrm>
           <a:prstGeom prst="rect">
@@ -12085,7 +11737,7 @@
         </p:nvSpPr>
         <p:spPr>
           <a:xfrm>
-            <a:off x="4610338" y="6476051"/>
+            <a:off x="4292838" y="6526851"/>
             <a:ext cx="859872" cy="164014"/>
           </a:xfrm>
           <a:prstGeom prst="rect">
@@ -12149,7 +11801,7 @@
         </p:nvCxnSpPr>
         <p:spPr>
           <a:xfrm>
-            <a:off x="5040274" y="5491967"/>
+            <a:off x="4722774" y="5542767"/>
             <a:ext cx="0" cy="1312112"/>
           </a:xfrm>
           <a:prstGeom prst="line">
@@ -12179,55 +11831,6 @@
           </a:fontRef>
         </p:style>
       </p:cxnSp>
-      <p:sp>
-        <p:nvSpPr>
-          <p:cNvPr id="290" name="Arrow: Right 289">
-            <a:extLst>
-              <a:ext uri="{FF2B5EF4-FFF2-40B4-BE49-F238E27FC236}">
-                <a16:creationId xmlns:a16="http://schemas.microsoft.com/office/drawing/2014/main" id="{8B181D4B-231D-4244-BCDC-CEA5988F0C8F}"/>
-              </a:ext>
-            </a:extLst>
-          </p:cNvPr>
-          <p:cNvSpPr/>
-          <p:nvPr/>
-        </p:nvSpPr>
-        <p:spPr>
-          <a:xfrm>
-            <a:off x="5749560" y="3077565"/>
-            <a:ext cx="1008958" cy="592078"/>
-          </a:xfrm>
-          <a:prstGeom prst="rightArrow">
-            <a:avLst/>
-          </a:prstGeom>
-          <a:solidFill>
-            <a:schemeClr val="tx1"/>
-          </a:solidFill>
-        </p:spPr>
-        <p:style>
-          <a:lnRef idx="2">
-            <a:schemeClr val="accent1">
-              <a:shade val="50000"/>
-            </a:schemeClr>
-          </a:lnRef>
-          <a:fillRef idx="1">
-            <a:schemeClr val="accent1"/>
-          </a:fillRef>
-          <a:effectRef idx="0">
-            <a:schemeClr val="accent1"/>
-          </a:effectRef>
-          <a:fontRef idx="minor">
-            <a:schemeClr val="lt1"/>
-          </a:fontRef>
-        </p:style>
-        <p:txBody>
-          <a:bodyPr rtlCol="0" anchor="ctr"/>
-          <a:lstStyle/>
-          <a:p>
-            <a:pPr algn="ctr"/>
-            <a:endParaRPr lang="en-US"/>
-          </a:p>
-        </p:txBody>
-      </p:sp>
       <p:pic>
         <p:nvPicPr>
           <p:cNvPr id="300" name="Picture 299">
@@ -12250,7 +11853,7 @@
         </p:blipFill>
         <p:spPr>
           <a:xfrm>
-            <a:off x="8816922" y="27222"/>
+            <a:off x="8816923" y="78022"/>
             <a:ext cx="3120017" cy="1222888"/>
           </a:xfrm>
           <a:prstGeom prst="rect">
@@ -12280,7 +11883,7 @@
         </p:blipFill>
         <p:spPr>
           <a:xfrm>
-            <a:off x="8761750" y="1844693"/>
+            <a:off x="8761751" y="1895493"/>
             <a:ext cx="3120017" cy="1222888"/>
           </a:xfrm>
           <a:prstGeom prst="rect">
@@ -12310,7 +11913,7 @@
         </p:blipFill>
         <p:spPr>
           <a:xfrm>
-            <a:off x="8831516" y="3619490"/>
+            <a:off x="8831517" y="3670290"/>
             <a:ext cx="3120017" cy="1222888"/>
           </a:xfrm>
           <a:prstGeom prst="rect">
@@ -12340,7 +11943,7 @@
         </p:blipFill>
         <p:spPr>
           <a:xfrm>
-            <a:off x="8813776" y="5417771"/>
+            <a:off x="8813777" y="5468571"/>
             <a:ext cx="3120017" cy="1222888"/>
           </a:xfrm>
           <a:prstGeom prst="rect">
@@ -12362,7 +11965,7 @@
         </p:nvSpPr>
         <p:spPr>
           <a:xfrm>
-            <a:off x="8043429" y="484696"/>
+            <a:off x="8284730" y="535497"/>
             <a:ext cx="556359" cy="366651"/>
           </a:xfrm>
           <a:prstGeom prst="rightArrow">
@@ -12418,7 +12021,7 @@
         </p:nvSpPr>
         <p:spPr>
           <a:xfrm>
-            <a:off x="8043429" y="2409466"/>
+            <a:off x="8284730" y="2460267"/>
             <a:ext cx="556359" cy="366651"/>
           </a:xfrm>
           <a:prstGeom prst="rightArrow">
@@ -12474,7 +12077,7 @@
         </p:nvSpPr>
         <p:spPr>
           <a:xfrm>
-            <a:off x="8043429" y="4229482"/>
+            <a:off x="8284730" y="4280283"/>
             <a:ext cx="556359" cy="366651"/>
           </a:xfrm>
           <a:prstGeom prst="rightArrow">
@@ -12530,7 +12133,7 @@
         </p:nvSpPr>
         <p:spPr>
           <a:xfrm>
-            <a:off x="8043429" y="5951018"/>
+            <a:off x="8284730" y="6001819"/>
             <a:ext cx="556359" cy="366651"/>
           </a:xfrm>
           <a:prstGeom prst="rightArrow">
@@ -12586,7 +12189,7 @@
         </p:nvSpPr>
         <p:spPr>
           <a:xfrm>
-            <a:off x="801004" y="942024"/>
+            <a:off x="801004" y="992824"/>
             <a:ext cx="859872" cy="164014"/>
           </a:xfrm>
           <a:prstGeom prst="rect">
@@ -12646,14 +12249,14 @@
         </p:nvSpPr>
         <p:spPr>
           <a:xfrm>
-            <a:off x="801004" y="778010"/>
+            <a:off x="801004" y="828810"/>
             <a:ext cx="859872" cy="164014"/>
           </a:xfrm>
           <a:prstGeom prst="rect">
             <a:avLst/>
           </a:prstGeom>
           <a:solidFill>
-            <a:schemeClr val="accent5">
+            <a:schemeClr val="accent1">
               <a:lumMod val="40000"/>
               <a:lumOff val="60000"/>
             </a:schemeClr>
@@ -12688,7 +12291,7 @@
           <a:lstStyle/>
           <a:p>
             <a:pPr algn="ctr"/>
-            <a:endParaRPr lang="en-US"/>
+            <a:endParaRPr lang="en-US" dirty="0"/>
           </a:p>
         </p:txBody>
       </p:sp>
@@ -12706,7 +12309,7 @@
         </p:nvSpPr>
         <p:spPr>
           <a:xfrm>
-            <a:off x="801004" y="1270052"/>
+            <a:off x="801004" y="1320852"/>
             <a:ext cx="859872" cy="164014"/>
           </a:xfrm>
           <a:prstGeom prst="rect">
@@ -12766,14 +12369,14 @@
         </p:nvSpPr>
         <p:spPr>
           <a:xfrm>
-            <a:off x="801004" y="1106038"/>
+            <a:off x="801004" y="1156838"/>
             <a:ext cx="859872" cy="164014"/>
           </a:xfrm>
           <a:prstGeom prst="rect">
             <a:avLst/>
           </a:prstGeom>
           <a:solidFill>
-            <a:schemeClr val="accent5">
+            <a:schemeClr val="accent1">
               <a:lumMod val="40000"/>
               <a:lumOff val="60000"/>
             </a:schemeClr>
@@ -12808,7 +12411,7 @@
           <a:lstStyle/>
           <a:p>
             <a:pPr algn="ctr"/>
-            <a:endParaRPr lang="en-US"/>
+            <a:endParaRPr lang="en-US" dirty="0"/>
           </a:p>
         </p:txBody>
       </p:sp>
@@ -12826,7 +12429,7 @@
         </p:nvSpPr>
         <p:spPr>
           <a:xfrm>
-            <a:off x="801004" y="1598080"/>
+            <a:off x="801004" y="1648880"/>
             <a:ext cx="859872" cy="164014"/>
           </a:xfrm>
           <a:prstGeom prst="rect">
@@ -12886,7 +12489,7 @@
         </p:nvSpPr>
         <p:spPr>
           <a:xfrm>
-            <a:off x="801004" y="1434066"/>
+            <a:off x="801004" y="1484866"/>
             <a:ext cx="859872" cy="164014"/>
           </a:xfrm>
           <a:prstGeom prst="rect">
@@ -12946,7 +12549,7 @@
         </p:nvSpPr>
         <p:spPr>
           <a:xfrm>
-            <a:off x="801004" y="1926108"/>
+            <a:off x="801004" y="1976908"/>
             <a:ext cx="859872" cy="164014"/>
           </a:xfrm>
           <a:prstGeom prst="rect">
@@ -13006,7 +12609,7 @@
         </p:nvSpPr>
         <p:spPr>
           <a:xfrm>
-            <a:off x="801004" y="1762094"/>
+            <a:off x="801004" y="1812894"/>
             <a:ext cx="859872" cy="164014"/>
           </a:xfrm>
           <a:prstGeom prst="rect">
@@ -13070,7 +12673,7 @@
         </p:nvCxnSpPr>
         <p:spPr>
           <a:xfrm>
-            <a:off x="1230940" y="778010"/>
+            <a:off x="1230940" y="828810"/>
             <a:ext cx="0" cy="1312112"/>
           </a:xfrm>
           <a:prstGeom prst="line">
@@ -13114,7 +12717,7 @@
         </p:nvGrpSpPr>
         <p:grpSpPr>
           <a:xfrm>
-            <a:off x="801004" y="2090917"/>
+            <a:off x="801004" y="2141717"/>
             <a:ext cx="859872" cy="1312112"/>
             <a:chOff x="3091965" y="1906029"/>
             <a:chExt cx="859872" cy="1312112"/>
@@ -13663,7 +13266,7 @@
         </p:nvGrpSpPr>
         <p:grpSpPr>
           <a:xfrm>
-            <a:off x="801004" y="3401058"/>
+            <a:off x="801004" y="3451858"/>
             <a:ext cx="859872" cy="1312112"/>
             <a:chOff x="3120591" y="3726903"/>
             <a:chExt cx="859872" cy="1312112"/>
@@ -14212,7 +13815,7 @@
         </p:nvGrpSpPr>
         <p:grpSpPr>
           <a:xfrm>
-            <a:off x="801004" y="4717705"/>
+            <a:off x="801004" y="4768505"/>
             <a:ext cx="859872" cy="1312112"/>
             <a:chOff x="3120591" y="5480572"/>
             <a:chExt cx="859872" cy="1312112"/>
@@ -14761,16 +14364,14 @@
         </p:nvSpPr>
         <p:spPr>
           <a:xfrm>
-            <a:off x="3860713" y="515836"/>
-            <a:ext cx="556359" cy="366651"/>
+            <a:off x="3750983" y="583892"/>
+            <a:ext cx="462890" cy="349396"/>
           </a:xfrm>
           <a:prstGeom prst="rightArrow">
             <a:avLst/>
           </a:prstGeom>
           <a:solidFill>
-            <a:schemeClr val="accent4">
-              <a:lumMod val="50000"/>
-            </a:schemeClr>
+            <a:schemeClr val="tx1"/>
           </a:solidFill>
           <a:ln>
             <a:solidFill>
@@ -14817,16 +14418,14 @@
         </p:nvSpPr>
         <p:spPr>
           <a:xfrm>
-            <a:off x="3846004" y="2399633"/>
-            <a:ext cx="556359" cy="366651"/>
+            <a:off x="3736274" y="2467689"/>
+            <a:ext cx="462890" cy="349396"/>
           </a:xfrm>
           <a:prstGeom prst="rightArrow">
             <a:avLst/>
           </a:prstGeom>
           <a:solidFill>
-            <a:schemeClr val="accent4">
-              <a:lumMod val="50000"/>
-            </a:schemeClr>
+            <a:schemeClr val="tx1"/>
           </a:solidFill>
           <a:ln>
             <a:solidFill>
@@ -14873,16 +14472,14 @@
         </p:nvSpPr>
         <p:spPr>
           <a:xfrm>
-            <a:off x="3856004" y="4213789"/>
-            <a:ext cx="556359" cy="366651"/>
+            <a:off x="3746274" y="4281845"/>
+            <a:ext cx="462890" cy="349396"/>
           </a:xfrm>
           <a:prstGeom prst="rightArrow">
             <a:avLst/>
           </a:prstGeom>
           <a:solidFill>
-            <a:schemeClr val="accent4">
-              <a:lumMod val="50000"/>
-            </a:schemeClr>
+            <a:schemeClr val="tx1"/>
           </a:solidFill>
           <a:ln>
             <a:solidFill>
@@ -14929,16 +14526,14 @@
         </p:nvSpPr>
         <p:spPr>
           <a:xfrm>
-            <a:off x="3856004" y="5976482"/>
-            <a:ext cx="556359" cy="366651"/>
+            <a:off x="3746274" y="6044538"/>
+            <a:ext cx="462890" cy="349396"/>
           </a:xfrm>
           <a:prstGeom prst="rightArrow">
             <a:avLst/>
           </a:prstGeom>
           <a:solidFill>
-            <a:schemeClr val="accent4">
-              <a:lumMod val="50000"/>
-            </a:schemeClr>
+            <a:schemeClr val="tx1"/>
           </a:solidFill>
           <a:ln>
             <a:solidFill>
@@ -14985,7 +14580,7 @@
         </p:nvSpPr>
         <p:spPr>
           <a:xfrm>
-            <a:off x="1350808" y="6505359"/>
+            <a:off x="1350809" y="6848259"/>
             <a:ext cx="1831357" cy="369332"/>
           </a:xfrm>
           <a:prstGeom prst="rect">
@@ -15020,8 +14615,8 @@
         </p:nvSpPr>
         <p:spPr>
           <a:xfrm>
-            <a:off x="3669612" y="6470908"/>
-            <a:ext cx="1831357" cy="369332"/>
+            <a:off x="3535812" y="6885605"/>
+            <a:ext cx="1456799" cy="369332"/>
           </a:xfrm>
           <a:prstGeom prst="rect">
             <a:avLst/>
@@ -15055,7 +14650,7 @@
         </p:nvSpPr>
         <p:spPr>
           <a:xfrm>
-            <a:off x="5571308" y="6441720"/>
+            <a:off x="5571309" y="6848244"/>
             <a:ext cx="1831357" cy="369332"/>
           </a:xfrm>
           <a:prstGeom prst="rect">
@@ -15095,7 +14690,7 @@
         </p:nvSpPr>
         <p:spPr>
           <a:xfrm>
-            <a:off x="7904548" y="6455399"/>
+            <a:off x="7904549" y="6823699"/>
             <a:ext cx="1831357" cy="369332"/>
           </a:xfrm>
           <a:prstGeom prst="rect">
@@ -15116,6 +14711,1280 @@
           </a:p>
         </p:txBody>
       </p:sp>
+      <p:cxnSp>
+        <p:nvCxnSpPr>
+          <p:cNvPr id="236" name="Straight Arrow Connector 235">
+            <a:extLst>
+              <a:ext uri="{FF2B5EF4-FFF2-40B4-BE49-F238E27FC236}">
+                <a16:creationId xmlns:a16="http://schemas.microsoft.com/office/drawing/2014/main" id="{7496B398-CB46-48E8-BF46-ABEF9ED59375}"/>
+              </a:ext>
+            </a:extLst>
+          </p:cNvPr>
+          <p:cNvCxnSpPr>
+            <a:cxnSpLocks/>
+            <a:stCxn id="240" idx="3"/>
+            <a:endCxn id="196" idx="1"/>
+          </p:cNvCxnSpPr>
+          <p:nvPr/>
+        </p:nvCxnSpPr>
+        <p:spPr>
+          <a:xfrm flipV="1">
+            <a:off x="5108844" y="169473"/>
+            <a:ext cx="2155324" cy="13679"/>
+          </a:xfrm>
+          <a:prstGeom prst="straightConnector1">
+            <a:avLst/>
+          </a:prstGeom>
+          <a:ln w="12700">
+            <a:solidFill>
+              <a:schemeClr val="tx1">
+                <a:lumMod val="95000"/>
+                <a:lumOff val="5000"/>
+              </a:schemeClr>
+            </a:solidFill>
+            <a:tailEnd type="triangle"/>
+          </a:ln>
+        </p:spPr>
+        <p:style>
+          <a:lnRef idx="1">
+            <a:schemeClr val="accent1"/>
+          </a:lnRef>
+          <a:fillRef idx="0">
+            <a:schemeClr val="accent1"/>
+          </a:fillRef>
+          <a:effectRef idx="0">
+            <a:schemeClr val="accent1"/>
+          </a:effectRef>
+          <a:fontRef idx="minor">
+            <a:schemeClr val="tx1"/>
+          </a:fontRef>
+        </p:style>
+      </p:cxnSp>
+      <p:cxnSp>
+        <p:nvCxnSpPr>
+          <p:cNvPr id="237" name="Straight Arrow Connector 236">
+            <a:extLst>
+              <a:ext uri="{FF2B5EF4-FFF2-40B4-BE49-F238E27FC236}">
+                <a16:creationId xmlns:a16="http://schemas.microsoft.com/office/drawing/2014/main" id="{9F004B7B-F7AD-4BA7-B91E-C4291CCD1D99}"/>
+              </a:ext>
+            </a:extLst>
+          </p:cNvPr>
+          <p:cNvCxnSpPr>
+            <a:cxnSpLocks/>
+            <a:stCxn id="241" idx="3"/>
+            <a:endCxn id="197" idx="1"/>
+          </p:cNvCxnSpPr>
+          <p:nvPr/>
+        </p:nvCxnSpPr>
+        <p:spPr>
+          <a:xfrm flipV="1">
+            <a:off x="5108844" y="661515"/>
+            <a:ext cx="2155324" cy="13679"/>
+          </a:xfrm>
+          <a:prstGeom prst="straightConnector1">
+            <a:avLst/>
+          </a:prstGeom>
+          <a:ln w="12700">
+            <a:solidFill>
+              <a:schemeClr val="tx1">
+                <a:lumMod val="95000"/>
+                <a:lumOff val="5000"/>
+              </a:schemeClr>
+            </a:solidFill>
+            <a:tailEnd type="triangle"/>
+          </a:ln>
+        </p:spPr>
+        <p:style>
+          <a:lnRef idx="1">
+            <a:schemeClr val="accent1"/>
+          </a:lnRef>
+          <a:fillRef idx="0">
+            <a:schemeClr val="accent1"/>
+          </a:fillRef>
+          <a:effectRef idx="0">
+            <a:schemeClr val="accent1"/>
+          </a:effectRef>
+          <a:fontRef idx="minor">
+            <a:schemeClr val="tx1"/>
+          </a:fontRef>
+        </p:style>
+      </p:cxnSp>
+      <p:cxnSp>
+        <p:nvCxnSpPr>
+          <p:cNvPr id="247" name="Straight Arrow Connector 246">
+            <a:extLst>
+              <a:ext uri="{FF2B5EF4-FFF2-40B4-BE49-F238E27FC236}">
+                <a16:creationId xmlns:a16="http://schemas.microsoft.com/office/drawing/2014/main" id="{ABDC1F27-72B4-4FCC-B60B-2A7AA77A5FC7}"/>
+              </a:ext>
+            </a:extLst>
+          </p:cNvPr>
+          <p:cNvCxnSpPr>
+            <a:cxnSpLocks/>
+            <a:stCxn id="251" idx="3"/>
+            <a:endCxn id="200" idx="1"/>
+          </p:cNvCxnSpPr>
+          <p:nvPr/>
+        </p:nvCxnSpPr>
+        <p:spPr>
+          <a:xfrm flipV="1">
+            <a:off x="5124084" y="825529"/>
+            <a:ext cx="2140084" cy="1224703"/>
+          </a:xfrm>
+          <a:prstGeom prst="straightConnector1">
+            <a:avLst/>
+          </a:prstGeom>
+          <a:ln w="12700">
+            <a:solidFill>
+              <a:schemeClr val="tx1">
+                <a:lumMod val="95000"/>
+                <a:lumOff val="5000"/>
+              </a:schemeClr>
+            </a:solidFill>
+            <a:tailEnd type="triangle"/>
+          </a:ln>
+        </p:spPr>
+        <p:style>
+          <a:lnRef idx="1">
+            <a:schemeClr val="accent1"/>
+          </a:lnRef>
+          <a:fillRef idx="0">
+            <a:schemeClr val="accent1"/>
+          </a:fillRef>
+          <a:effectRef idx="0">
+            <a:schemeClr val="accent1"/>
+          </a:effectRef>
+          <a:fontRef idx="minor">
+            <a:schemeClr val="tx1"/>
+          </a:fontRef>
+        </p:style>
+      </p:cxnSp>
+      <p:cxnSp>
+        <p:nvCxnSpPr>
+          <p:cNvPr id="258" name="Straight Arrow Connector 257">
+            <a:extLst>
+              <a:ext uri="{FF2B5EF4-FFF2-40B4-BE49-F238E27FC236}">
+                <a16:creationId xmlns:a16="http://schemas.microsoft.com/office/drawing/2014/main" id="{6F0E89A6-4DDC-496F-B527-C207DF2D5995}"/>
+              </a:ext>
+            </a:extLst>
+          </p:cNvPr>
+          <p:cNvCxnSpPr>
+            <a:cxnSpLocks/>
+            <a:stCxn id="262" idx="3"/>
+            <a:endCxn id="199" idx="1"/>
+          </p:cNvCxnSpPr>
+          <p:nvPr/>
+        </p:nvCxnSpPr>
+        <p:spPr>
+          <a:xfrm flipV="1">
+            <a:off x="5152710" y="989543"/>
+            <a:ext cx="2111458" cy="2881563"/>
+          </a:xfrm>
+          <a:prstGeom prst="straightConnector1">
+            <a:avLst/>
+          </a:prstGeom>
+          <a:ln w="12700">
+            <a:solidFill>
+              <a:schemeClr val="tx1">
+                <a:lumMod val="95000"/>
+                <a:lumOff val="5000"/>
+              </a:schemeClr>
+            </a:solidFill>
+            <a:tailEnd type="triangle"/>
+          </a:ln>
+        </p:spPr>
+        <p:style>
+          <a:lnRef idx="1">
+            <a:schemeClr val="accent1"/>
+          </a:lnRef>
+          <a:fillRef idx="0">
+            <a:schemeClr val="accent1"/>
+          </a:fillRef>
+          <a:effectRef idx="0">
+            <a:schemeClr val="accent1"/>
+          </a:effectRef>
+          <a:fontRef idx="minor">
+            <a:schemeClr val="tx1"/>
+          </a:fontRef>
+        </p:style>
+      </p:cxnSp>
+      <p:cxnSp>
+        <p:nvCxnSpPr>
+          <p:cNvPr id="259" name="Straight Arrow Connector 258">
+            <a:extLst>
+              <a:ext uri="{FF2B5EF4-FFF2-40B4-BE49-F238E27FC236}">
+                <a16:creationId xmlns:a16="http://schemas.microsoft.com/office/drawing/2014/main" id="{144197F1-6E04-4D04-8594-571D6145CEBC}"/>
+              </a:ext>
+            </a:extLst>
+          </p:cNvPr>
+          <p:cNvCxnSpPr>
+            <a:cxnSpLocks/>
+            <a:stCxn id="273" idx="3"/>
+            <a:endCxn id="202" idx="1"/>
+          </p:cNvCxnSpPr>
+          <p:nvPr/>
+        </p:nvCxnSpPr>
+        <p:spPr>
+          <a:xfrm flipV="1">
+            <a:off x="5152710" y="1153556"/>
+            <a:ext cx="2111458" cy="4471218"/>
+          </a:xfrm>
+          <a:prstGeom prst="straightConnector1">
+            <a:avLst/>
+          </a:prstGeom>
+          <a:ln w="12700">
+            <a:solidFill>
+              <a:schemeClr val="tx1">
+                <a:lumMod val="95000"/>
+                <a:lumOff val="5000"/>
+              </a:schemeClr>
+            </a:solidFill>
+            <a:tailEnd type="triangle"/>
+          </a:ln>
+        </p:spPr>
+        <p:style>
+          <a:lnRef idx="1">
+            <a:schemeClr val="accent1"/>
+          </a:lnRef>
+          <a:fillRef idx="0">
+            <a:schemeClr val="accent1"/>
+          </a:fillRef>
+          <a:effectRef idx="0">
+            <a:schemeClr val="accent1"/>
+          </a:effectRef>
+          <a:fontRef idx="minor">
+            <a:schemeClr val="tx1"/>
+          </a:fontRef>
+        </p:style>
+      </p:cxnSp>
+      <p:cxnSp>
+        <p:nvCxnSpPr>
+          <p:cNvPr id="269" name="Straight Arrow Connector 268">
+            <a:extLst>
+              <a:ext uri="{FF2B5EF4-FFF2-40B4-BE49-F238E27FC236}">
+                <a16:creationId xmlns:a16="http://schemas.microsoft.com/office/drawing/2014/main" id="{A186E3A7-F8F4-460B-A2CC-034802CAB244}"/>
+              </a:ext>
+            </a:extLst>
+          </p:cNvPr>
+          <p:cNvCxnSpPr>
+            <a:cxnSpLocks/>
+            <a:stCxn id="272" idx="3"/>
+            <a:endCxn id="201" idx="1"/>
+          </p:cNvCxnSpPr>
+          <p:nvPr/>
+        </p:nvCxnSpPr>
+        <p:spPr>
+          <a:xfrm flipV="1">
+            <a:off x="5152710" y="1317570"/>
+            <a:ext cx="2111458" cy="4471218"/>
+          </a:xfrm>
+          <a:prstGeom prst="straightConnector1">
+            <a:avLst/>
+          </a:prstGeom>
+          <a:ln w="12700">
+            <a:solidFill>
+              <a:schemeClr val="tx1">
+                <a:lumMod val="95000"/>
+                <a:lumOff val="5000"/>
+              </a:schemeClr>
+            </a:solidFill>
+            <a:tailEnd type="triangle"/>
+          </a:ln>
+        </p:spPr>
+        <p:style>
+          <a:lnRef idx="1">
+            <a:schemeClr val="accent1"/>
+          </a:lnRef>
+          <a:fillRef idx="0">
+            <a:schemeClr val="accent1"/>
+          </a:fillRef>
+          <a:effectRef idx="0">
+            <a:schemeClr val="accent1"/>
+          </a:effectRef>
+          <a:fontRef idx="minor">
+            <a:schemeClr val="tx1"/>
+          </a:fontRef>
+        </p:style>
+      </p:cxnSp>
+      <p:cxnSp>
+        <p:nvCxnSpPr>
+          <p:cNvPr id="270" name="Straight Arrow Connector 269">
+            <a:extLst>
+              <a:ext uri="{FF2B5EF4-FFF2-40B4-BE49-F238E27FC236}">
+                <a16:creationId xmlns:a16="http://schemas.microsoft.com/office/drawing/2014/main" id="{C49EE98E-FECA-4427-82DC-D31608659FA8}"/>
+              </a:ext>
+            </a:extLst>
+          </p:cNvPr>
+          <p:cNvCxnSpPr>
+            <a:cxnSpLocks/>
+            <a:stCxn id="244" idx="3"/>
+            <a:endCxn id="218" idx="1"/>
+          </p:cNvCxnSpPr>
+          <p:nvPr/>
+        </p:nvCxnSpPr>
+        <p:spPr>
+          <a:xfrm>
+            <a:off x="5108844" y="839208"/>
+            <a:ext cx="2199190" cy="3018219"/>
+          </a:xfrm>
+          <a:prstGeom prst="straightConnector1">
+            <a:avLst/>
+          </a:prstGeom>
+          <a:ln w="12700">
+            <a:solidFill>
+              <a:schemeClr val="tx1">
+                <a:lumMod val="95000"/>
+                <a:lumOff val="5000"/>
+              </a:schemeClr>
+            </a:solidFill>
+            <a:tailEnd type="triangle"/>
+          </a:ln>
+        </p:spPr>
+        <p:style>
+          <a:lnRef idx="1">
+            <a:schemeClr val="accent1"/>
+          </a:lnRef>
+          <a:fillRef idx="0">
+            <a:schemeClr val="accent1"/>
+          </a:fillRef>
+          <a:effectRef idx="0">
+            <a:schemeClr val="accent1"/>
+          </a:effectRef>
+          <a:fontRef idx="minor">
+            <a:schemeClr val="tx1"/>
+          </a:fontRef>
+        </p:style>
+      </p:cxnSp>
+      <p:cxnSp>
+        <p:nvCxnSpPr>
+          <p:cNvPr id="280" name="Straight Arrow Connector 279">
+            <a:extLst>
+              <a:ext uri="{FF2B5EF4-FFF2-40B4-BE49-F238E27FC236}">
+                <a16:creationId xmlns:a16="http://schemas.microsoft.com/office/drawing/2014/main" id="{E0C6DE54-6EDB-41D1-B687-917663806427}"/>
+              </a:ext>
+            </a:extLst>
+          </p:cNvPr>
+          <p:cNvCxnSpPr>
+            <a:cxnSpLocks/>
+            <a:stCxn id="243" idx="3"/>
+            <a:endCxn id="217" idx="1"/>
+          </p:cNvCxnSpPr>
+          <p:nvPr/>
+        </p:nvCxnSpPr>
+        <p:spPr>
+          <a:xfrm>
+            <a:off x="5108844" y="1003222"/>
+            <a:ext cx="2199190" cy="3018219"/>
+          </a:xfrm>
+          <a:prstGeom prst="straightConnector1">
+            <a:avLst/>
+          </a:prstGeom>
+          <a:ln w="12700">
+            <a:solidFill>
+              <a:schemeClr val="tx1">
+                <a:lumMod val="95000"/>
+                <a:lumOff val="5000"/>
+              </a:schemeClr>
+            </a:solidFill>
+            <a:tailEnd type="triangle"/>
+          </a:ln>
+        </p:spPr>
+        <p:style>
+          <a:lnRef idx="1">
+            <a:schemeClr val="accent1"/>
+          </a:lnRef>
+          <a:fillRef idx="0">
+            <a:schemeClr val="accent1"/>
+          </a:fillRef>
+          <a:effectRef idx="0">
+            <a:schemeClr val="accent1"/>
+          </a:effectRef>
+          <a:fontRef idx="minor">
+            <a:schemeClr val="tx1"/>
+          </a:fontRef>
+        </p:style>
+      </p:cxnSp>
+      <p:cxnSp>
+        <p:nvCxnSpPr>
+          <p:cNvPr id="281" name="Straight Arrow Connector 280">
+            <a:extLst>
+              <a:ext uri="{FF2B5EF4-FFF2-40B4-BE49-F238E27FC236}">
+                <a16:creationId xmlns:a16="http://schemas.microsoft.com/office/drawing/2014/main" id="{32DBE009-3E75-4172-9D39-D259D808CDAB}"/>
+              </a:ext>
+            </a:extLst>
+          </p:cNvPr>
+          <p:cNvCxnSpPr>
+            <a:cxnSpLocks/>
+            <a:stCxn id="255" idx="3"/>
+            <a:endCxn id="220" idx="1"/>
+          </p:cNvCxnSpPr>
+          <p:nvPr/>
+        </p:nvCxnSpPr>
+        <p:spPr>
+          <a:xfrm>
+            <a:off x="5124084" y="2706288"/>
+            <a:ext cx="2183950" cy="1479167"/>
+          </a:xfrm>
+          <a:prstGeom prst="straightConnector1">
+            <a:avLst/>
+          </a:prstGeom>
+          <a:ln w="12700">
+            <a:solidFill>
+              <a:schemeClr val="tx1">
+                <a:lumMod val="95000"/>
+                <a:lumOff val="5000"/>
+              </a:schemeClr>
+            </a:solidFill>
+            <a:tailEnd type="triangle"/>
+          </a:ln>
+        </p:spPr>
+        <p:style>
+          <a:lnRef idx="1">
+            <a:schemeClr val="accent1"/>
+          </a:lnRef>
+          <a:fillRef idx="0">
+            <a:schemeClr val="accent1"/>
+          </a:fillRef>
+          <a:effectRef idx="0">
+            <a:schemeClr val="accent1"/>
+          </a:effectRef>
+          <a:fontRef idx="minor">
+            <a:schemeClr val="tx1"/>
+          </a:fontRef>
+        </p:style>
+      </p:cxnSp>
+      <p:cxnSp>
+        <p:nvCxnSpPr>
+          <p:cNvPr id="282" name="Straight Arrow Connector 281">
+            <a:extLst>
+              <a:ext uri="{FF2B5EF4-FFF2-40B4-BE49-F238E27FC236}">
+                <a16:creationId xmlns:a16="http://schemas.microsoft.com/office/drawing/2014/main" id="{AF18BF8A-68DE-4AA7-B92C-412462E30050}"/>
+              </a:ext>
+            </a:extLst>
+          </p:cNvPr>
+          <p:cNvCxnSpPr>
+            <a:cxnSpLocks/>
+            <a:stCxn id="254" idx="3"/>
+            <a:endCxn id="219" idx="1"/>
+          </p:cNvCxnSpPr>
+          <p:nvPr/>
+        </p:nvCxnSpPr>
+        <p:spPr>
+          <a:xfrm>
+            <a:off x="5124084" y="2870302"/>
+            <a:ext cx="2183950" cy="1479167"/>
+          </a:xfrm>
+          <a:prstGeom prst="straightConnector1">
+            <a:avLst/>
+          </a:prstGeom>
+          <a:ln w="12700">
+            <a:solidFill>
+              <a:schemeClr val="tx1">
+                <a:lumMod val="95000"/>
+                <a:lumOff val="5000"/>
+              </a:schemeClr>
+            </a:solidFill>
+            <a:tailEnd type="triangle"/>
+          </a:ln>
+        </p:spPr>
+        <p:style>
+          <a:lnRef idx="1">
+            <a:schemeClr val="accent1"/>
+          </a:lnRef>
+          <a:fillRef idx="0">
+            <a:schemeClr val="accent1"/>
+          </a:fillRef>
+          <a:effectRef idx="0">
+            <a:schemeClr val="accent1"/>
+          </a:effectRef>
+          <a:fontRef idx="minor">
+            <a:schemeClr val="tx1"/>
+          </a:fontRef>
+        </p:style>
+      </p:cxnSp>
+      <p:cxnSp>
+        <p:nvCxnSpPr>
+          <p:cNvPr id="283" name="Straight Arrow Connector 282">
+            <a:extLst>
+              <a:ext uri="{FF2B5EF4-FFF2-40B4-BE49-F238E27FC236}">
+                <a16:creationId xmlns:a16="http://schemas.microsoft.com/office/drawing/2014/main" id="{77804AB8-8924-4AF2-A6D7-B2DD3412CE11}"/>
+              </a:ext>
+            </a:extLst>
+          </p:cNvPr>
+          <p:cNvCxnSpPr>
+            <a:cxnSpLocks/>
+            <a:stCxn id="266" idx="3"/>
+            <a:endCxn id="222" idx="1"/>
+          </p:cNvCxnSpPr>
+          <p:nvPr/>
+        </p:nvCxnSpPr>
+        <p:spPr>
+          <a:xfrm flipV="1">
+            <a:off x="5152710" y="4513483"/>
+            <a:ext cx="2155324" cy="13679"/>
+          </a:xfrm>
+          <a:prstGeom prst="straightConnector1">
+            <a:avLst/>
+          </a:prstGeom>
+          <a:ln w="12700">
+            <a:solidFill>
+              <a:schemeClr val="tx1">
+                <a:lumMod val="95000"/>
+                <a:lumOff val="5000"/>
+              </a:schemeClr>
+            </a:solidFill>
+            <a:tailEnd type="triangle"/>
+          </a:ln>
+        </p:spPr>
+        <p:style>
+          <a:lnRef idx="1">
+            <a:schemeClr val="accent1"/>
+          </a:lnRef>
+          <a:fillRef idx="0">
+            <a:schemeClr val="accent1"/>
+          </a:fillRef>
+          <a:effectRef idx="0">
+            <a:schemeClr val="accent1"/>
+          </a:effectRef>
+          <a:fontRef idx="minor">
+            <a:schemeClr val="tx1"/>
+          </a:fontRef>
+        </p:style>
+      </p:cxnSp>
+      <p:cxnSp>
+        <p:nvCxnSpPr>
+          <p:cNvPr id="285" name="Straight Arrow Connector 284">
+            <a:extLst>
+              <a:ext uri="{FF2B5EF4-FFF2-40B4-BE49-F238E27FC236}">
+                <a16:creationId xmlns:a16="http://schemas.microsoft.com/office/drawing/2014/main" id="{F8470A21-6500-4604-80C2-F4E896ECC887}"/>
+              </a:ext>
+            </a:extLst>
+          </p:cNvPr>
+          <p:cNvCxnSpPr>
+            <a:cxnSpLocks/>
+            <a:stCxn id="268" idx="3"/>
+            <a:endCxn id="224" idx="1"/>
+          </p:cNvCxnSpPr>
+          <p:nvPr/>
+        </p:nvCxnSpPr>
+        <p:spPr>
+          <a:xfrm flipV="1">
+            <a:off x="5152710" y="4841511"/>
+            <a:ext cx="2155324" cy="13679"/>
+          </a:xfrm>
+          <a:prstGeom prst="straightConnector1">
+            <a:avLst/>
+          </a:prstGeom>
+          <a:ln w="12700">
+            <a:solidFill>
+              <a:schemeClr val="tx1">
+                <a:lumMod val="95000"/>
+                <a:lumOff val="5000"/>
+              </a:schemeClr>
+            </a:solidFill>
+            <a:tailEnd type="triangle"/>
+          </a:ln>
+        </p:spPr>
+        <p:style>
+          <a:lnRef idx="1">
+            <a:schemeClr val="accent1"/>
+          </a:lnRef>
+          <a:fillRef idx="0">
+            <a:schemeClr val="accent1"/>
+          </a:fillRef>
+          <a:effectRef idx="0">
+            <a:schemeClr val="accent1"/>
+          </a:effectRef>
+          <a:fontRef idx="minor">
+            <a:schemeClr val="tx1"/>
+          </a:fontRef>
+        </p:style>
+      </p:cxnSp>
+      <p:cxnSp>
+        <p:nvCxnSpPr>
+          <p:cNvPr id="288" name="Straight Arrow Connector 287">
+            <a:extLst>
+              <a:ext uri="{FF2B5EF4-FFF2-40B4-BE49-F238E27FC236}">
+                <a16:creationId xmlns:a16="http://schemas.microsoft.com/office/drawing/2014/main" id="{109259B8-5F39-4187-9A5D-322807DB00B9}"/>
+              </a:ext>
+            </a:extLst>
+          </p:cNvPr>
+          <p:cNvCxnSpPr>
+            <a:cxnSpLocks/>
+            <a:stCxn id="277" idx="3"/>
+            <a:endCxn id="223" idx="1"/>
+          </p:cNvCxnSpPr>
+          <p:nvPr/>
+        </p:nvCxnSpPr>
+        <p:spPr>
+          <a:xfrm flipV="1">
+            <a:off x="5152710" y="5005524"/>
+            <a:ext cx="2155324" cy="1275306"/>
+          </a:xfrm>
+          <a:prstGeom prst="straightConnector1">
+            <a:avLst/>
+          </a:prstGeom>
+          <a:ln w="12700">
+            <a:solidFill>
+              <a:schemeClr val="tx1">
+                <a:lumMod val="95000"/>
+                <a:lumOff val="5000"/>
+              </a:schemeClr>
+            </a:solidFill>
+            <a:tailEnd type="triangle"/>
+          </a:ln>
+        </p:spPr>
+        <p:style>
+          <a:lnRef idx="1">
+            <a:schemeClr val="accent1"/>
+          </a:lnRef>
+          <a:fillRef idx="0">
+            <a:schemeClr val="accent1"/>
+          </a:fillRef>
+          <a:effectRef idx="0">
+            <a:schemeClr val="accent1"/>
+          </a:effectRef>
+          <a:fontRef idx="minor">
+            <a:schemeClr val="tx1"/>
+          </a:fontRef>
+        </p:style>
+      </p:cxnSp>
+      <p:cxnSp>
+        <p:nvCxnSpPr>
+          <p:cNvPr id="289" name="Straight Arrow Connector 288">
+            <a:extLst>
+              <a:ext uri="{FF2B5EF4-FFF2-40B4-BE49-F238E27FC236}">
+                <a16:creationId xmlns:a16="http://schemas.microsoft.com/office/drawing/2014/main" id="{FE61E09B-B676-4167-913E-96E51E9F78A7}"/>
+              </a:ext>
+            </a:extLst>
+          </p:cNvPr>
+          <p:cNvCxnSpPr>
+            <a:cxnSpLocks/>
+            <a:stCxn id="246" idx="3"/>
+            <a:endCxn id="229" idx="1"/>
+          </p:cNvCxnSpPr>
+          <p:nvPr/>
+        </p:nvCxnSpPr>
+        <p:spPr>
+          <a:xfrm>
+            <a:off x="5108844" y="1167235"/>
+            <a:ext cx="2199190" cy="4443860"/>
+          </a:xfrm>
+          <a:prstGeom prst="straightConnector1">
+            <a:avLst/>
+          </a:prstGeom>
+          <a:ln w="12700">
+            <a:solidFill>
+              <a:schemeClr val="tx1">
+                <a:lumMod val="95000"/>
+                <a:lumOff val="5000"/>
+              </a:schemeClr>
+            </a:solidFill>
+            <a:tailEnd type="triangle"/>
+          </a:ln>
+        </p:spPr>
+        <p:style>
+          <a:lnRef idx="1">
+            <a:schemeClr val="accent1"/>
+          </a:lnRef>
+          <a:fillRef idx="0">
+            <a:schemeClr val="accent1"/>
+          </a:fillRef>
+          <a:effectRef idx="0">
+            <a:schemeClr val="accent1"/>
+          </a:effectRef>
+          <a:fontRef idx="minor">
+            <a:schemeClr val="tx1"/>
+          </a:fontRef>
+        </p:style>
+      </p:cxnSp>
+      <p:cxnSp>
+        <p:nvCxnSpPr>
+          <p:cNvPr id="291" name="Straight Arrow Connector 290">
+            <a:extLst>
+              <a:ext uri="{FF2B5EF4-FFF2-40B4-BE49-F238E27FC236}">
+                <a16:creationId xmlns:a16="http://schemas.microsoft.com/office/drawing/2014/main" id="{00B34BA4-0E7C-4455-BBD6-532308D94297}"/>
+              </a:ext>
+            </a:extLst>
+          </p:cNvPr>
+          <p:cNvCxnSpPr>
+            <a:cxnSpLocks/>
+            <a:stCxn id="245" idx="3"/>
+            <a:endCxn id="228" idx="1"/>
+          </p:cNvCxnSpPr>
+          <p:nvPr/>
+        </p:nvCxnSpPr>
+        <p:spPr>
+          <a:xfrm>
+            <a:off x="5108844" y="1331249"/>
+            <a:ext cx="2199190" cy="4443860"/>
+          </a:xfrm>
+          <a:prstGeom prst="straightConnector1">
+            <a:avLst/>
+          </a:prstGeom>
+          <a:ln w="12700">
+            <a:solidFill>
+              <a:schemeClr val="tx1">
+                <a:lumMod val="95000"/>
+                <a:lumOff val="5000"/>
+              </a:schemeClr>
+            </a:solidFill>
+            <a:tailEnd type="triangle"/>
+          </a:ln>
+        </p:spPr>
+        <p:style>
+          <a:lnRef idx="1">
+            <a:schemeClr val="accent1"/>
+          </a:lnRef>
+          <a:fillRef idx="0">
+            <a:schemeClr val="accent1"/>
+          </a:fillRef>
+          <a:effectRef idx="0">
+            <a:schemeClr val="accent1"/>
+          </a:effectRef>
+          <a:fontRef idx="minor">
+            <a:schemeClr val="tx1"/>
+          </a:fontRef>
+        </p:style>
+      </p:cxnSp>
+      <p:cxnSp>
+        <p:nvCxnSpPr>
+          <p:cNvPr id="292" name="Straight Arrow Connector 291">
+            <a:extLst>
+              <a:ext uri="{FF2B5EF4-FFF2-40B4-BE49-F238E27FC236}">
+                <a16:creationId xmlns:a16="http://schemas.microsoft.com/office/drawing/2014/main" id="{2AC28197-BFCA-46D9-B717-90724EBFA9C3}"/>
+              </a:ext>
+            </a:extLst>
+          </p:cNvPr>
+          <p:cNvCxnSpPr>
+            <a:cxnSpLocks/>
+            <a:stCxn id="257" idx="3"/>
+            <a:endCxn id="231" idx="1"/>
+          </p:cNvCxnSpPr>
+          <p:nvPr/>
+        </p:nvCxnSpPr>
+        <p:spPr>
+          <a:xfrm>
+            <a:off x="5124084" y="3034315"/>
+            <a:ext cx="2183950" cy="2904808"/>
+          </a:xfrm>
+          <a:prstGeom prst="straightConnector1">
+            <a:avLst/>
+          </a:prstGeom>
+          <a:ln w="12700">
+            <a:solidFill>
+              <a:schemeClr val="tx1">
+                <a:lumMod val="95000"/>
+                <a:lumOff val="5000"/>
+              </a:schemeClr>
+            </a:solidFill>
+            <a:tailEnd type="triangle"/>
+          </a:ln>
+        </p:spPr>
+        <p:style>
+          <a:lnRef idx="1">
+            <a:schemeClr val="accent1"/>
+          </a:lnRef>
+          <a:fillRef idx="0">
+            <a:schemeClr val="accent1"/>
+          </a:fillRef>
+          <a:effectRef idx="0">
+            <a:schemeClr val="accent1"/>
+          </a:effectRef>
+          <a:fontRef idx="minor">
+            <a:schemeClr val="tx1"/>
+          </a:fontRef>
+        </p:style>
+      </p:cxnSp>
+      <p:cxnSp>
+        <p:nvCxnSpPr>
+          <p:cNvPr id="293" name="Straight Arrow Connector 292">
+            <a:extLst>
+              <a:ext uri="{FF2B5EF4-FFF2-40B4-BE49-F238E27FC236}">
+                <a16:creationId xmlns:a16="http://schemas.microsoft.com/office/drawing/2014/main" id="{E54A0E4E-9104-4E73-A194-167E3D5B032C}"/>
+              </a:ext>
+            </a:extLst>
+          </p:cNvPr>
+          <p:cNvCxnSpPr>
+            <a:cxnSpLocks/>
+            <a:stCxn id="256" idx="3"/>
+            <a:endCxn id="230" idx="1"/>
+          </p:cNvCxnSpPr>
+          <p:nvPr/>
+        </p:nvCxnSpPr>
+        <p:spPr>
+          <a:xfrm>
+            <a:off x="5124084" y="3198329"/>
+            <a:ext cx="2183950" cy="2904808"/>
+          </a:xfrm>
+          <a:prstGeom prst="straightConnector1">
+            <a:avLst/>
+          </a:prstGeom>
+          <a:ln w="12700">
+            <a:solidFill>
+              <a:schemeClr val="tx1">
+                <a:lumMod val="95000"/>
+                <a:lumOff val="5000"/>
+              </a:schemeClr>
+            </a:solidFill>
+            <a:tailEnd type="triangle"/>
+          </a:ln>
+        </p:spPr>
+        <p:style>
+          <a:lnRef idx="1">
+            <a:schemeClr val="accent1"/>
+          </a:lnRef>
+          <a:fillRef idx="0">
+            <a:schemeClr val="accent1"/>
+          </a:fillRef>
+          <a:effectRef idx="0">
+            <a:schemeClr val="accent1"/>
+          </a:effectRef>
+          <a:fontRef idx="minor">
+            <a:schemeClr val="tx1"/>
+          </a:fontRef>
+        </p:style>
+      </p:cxnSp>
+      <p:cxnSp>
+        <p:nvCxnSpPr>
+          <p:cNvPr id="294" name="Straight Arrow Connector 293">
+            <a:extLst>
+              <a:ext uri="{FF2B5EF4-FFF2-40B4-BE49-F238E27FC236}">
+                <a16:creationId xmlns:a16="http://schemas.microsoft.com/office/drawing/2014/main" id="{A86BE225-CE20-4501-BF04-9B7659524267}"/>
+              </a:ext>
+            </a:extLst>
+          </p:cNvPr>
+          <p:cNvCxnSpPr>
+            <a:cxnSpLocks/>
+            <a:stCxn id="267" idx="3"/>
+            <a:endCxn id="233" idx="1"/>
+          </p:cNvCxnSpPr>
+          <p:nvPr/>
+        </p:nvCxnSpPr>
+        <p:spPr>
+          <a:xfrm>
+            <a:off x="5152710" y="5019203"/>
+            <a:ext cx="2155324" cy="1247948"/>
+          </a:xfrm>
+          <a:prstGeom prst="straightConnector1">
+            <a:avLst/>
+          </a:prstGeom>
+          <a:ln w="12700">
+            <a:solidFill>
+              <a:schemeClr val="tx1">
+                <a:lumMod val="95000"/>
+                <a:lumOff val="5000"/>
+              </a:schemeClr>
+            </a:solidFill>
+            <a:tailEnd type="triangle"/>
+          </a:ln>
+        </p:spPr>
+        <p:style>
+          <a:lnRef idx="1">
+            <a:schemeClr val="accent1"/>
+          </a:lnRef>
+          <a:fillRef idx="0">
+            <a:schemeClr val="accent1"/>
+          </a:fillRef>
+          <a:effectRef idx="0">
+            <a:schemeClr val="accent1"/>
+          </a:effectRef>
+          <a:fontRef idx="minor">
+            <a:schemeClr val="tx1"/>
+          </a:fontRef>
+        </p:style>
+      </p:cxnSp>
+      <p:cxnSp>
+        <p:nvCxnSpPr>
+          <p:cNvPr id="295" name="Straight Arrow Connector 294">
+            <a:extLst>
+              <a:ext uri="{FF2B5EF4-FFF2-40B4-BE49-F238E27FC236}">
+                <a16:creationId xmlns:a16="http://schemas.microsoft.com/office/drawing/2014/main" id="{B3DF7544-1269-4646-B20A-3ADC673C2732}"/>
+              </a:ext>
+            </a:extLst>
+          </p:cNvPr>
+          <p:cNvCxnSpPr>
+            <a:cxnSpLocks/>
+            <a:stCxn id="276" idx="3"/>
+            <a:endCxn id="232" idx="1"/>
+          </p:cNvCxnSpPr>
+          <p:nvPr/>
+        </p:nvCxnSpPr>
+        <p:spPr>
+          <a:xfrm flipV="1">
+            <a:off x="5152710" y="6431166"/>
+            <a:ext cx="2155324" cy="13679"/>
+          </a:xfrm>
+          <a:prstGeom prst="straightConnector1">
+            <a:avLst/>
+          </a:prstGeom>
+          <a:ln w="12700">
+            <a:solidFill>
+              <a:schemeClr val="tx1">
+                <a:lumMod val="95000"/>
+                <a:lumOff val="5000"/>
+              </a:schemeClr>
+            </a:solidFill>
+            <a:tailEnd type="triangle"/>
+          </a:ln>
+        </p:spPr>
+        <p:style>
+          <a:lnRef idx="1">
+            <a:schemeClr val="accent1"/>
+          </a:lnRef>
+          <a:fillRef idx="0">
+            <a:schemeClr val="accent1"/>
+          </a:fillRef>
+          <a:effectRef idx="0">
+            <a:schemeClr val="accent1"/>
+          </a:effectRef>
+          <a:fontRef idx="minor">
+            <a:schemeClr val="tx1"/>
+          </a:fontRef>
+        </p:style>
+      </p:cxnSp>
+      <p:cxnSp>
+        <p:nvCxnSpPr>
+          <p:cNvPr id="296" name="Straight Arrow Connector 295">
+            <a:extLst>
+              <a:ext uri="{FF2B5EF4-FFF2-40B4-BE49-F238E27FC236}">
+                <a16:creationId xmlns:a16="http://schemas.microsoft.com/office/drawing/2014/main" id="{D4BB5CB7-0D82-4316-BEA7-798A9F8D4CA7}"/>
+              </a:ext>
+            </a:extLst>
+          </p:cNvPr>
+          <p:cNvCxnSpPr>
+            <a:cxnSpLocks/>
+            <a:stCxn id="278" idx="3"/>
+            <a:endCxn id="234" idx="1"/>
+          </p:cNvCxnSpPr>
+          <p:nvPr/>
+        </p:nvCxnSpPr>
+        <p:spPr>
+          <a:xfrm flipV="1">
+            <a:off x="5152710" y="6759194"/>
+            <a:ext cx="2155324" cy="13679"/>
+          </a:xfrm>
+          <a:prstGeom prst="straightConnector1">
+            <a:avLst/>
+          </a:prstGeom>
+          <a:ln w="12700">
+            <a:solidFill>
+              <a:schemeClr val="tx1">
+                <a:lumMod val="95000"/>
+                <a:lumOff val="5000"/>
+              </a:schemeClr>
+            </a:solidFill>
+            <a:tailEnd type="triangle"/>
+          </a:ln>
+        </p:spPr>
+        <p:style>
+          <a:lnRef idx="1">
+            <a:schemeClr val="accent1"/>
+          </a:lnRef>
+          <a:fillRef idx="0">
+            <a:schemeClr val="accent1"/>
+          </a:fillRef>
+          <a:effectRef idx="0">
+            <a:schemeClr val="accent1"/>
+          </a:effectRef>
+          <a:fontRef idx="minor">
+            <a:schemeClr val="tx1"/>
+          </a:fontRef>
+        </p:style>
+      </p:cxnSp>
+      <p:cxnSp>
+        <p:nvCxnSpPr>
+          <p:cNvPr id="297" name="Straight Arrow Connector 296">
+            <a:extLst>
+              <a:ext uri="{FF2B5EF4-FFF2-40B4-BE49-F238E27FC236}">
+                <a16:creationId xmlns:a16="http://schemas.microsoft.com/office/drawing/2014/main" id="{BE583ADE-70C5-4627-AB6D-A67771F38F2B}"/>
+              </a:ext>
+            </a:extLst>
+          </p:cNvPr>
+          <p:cNvCxnSpPr>
+            <a:cxnSpLocks/>
+            <a:stCxn id="250" idx="3"/>
+            <a:endCxn id="207" idx="1"/>
+          </p:cNvCxnSpPr>
+          <p:nvPr/>
+        </p:nvCxnSpPr>
+        <p:spPr>
+          <a:xfrm flipV="1">
+            <a:off x="5124084" y="2036553"/>
+            <a:ext cx="2155324" cy="177693"/>
+          </a:xfrm>
+          <a:prstGeom prst="straightConnector1">
+            <a:avLst/>
+          </a:prstGeom>
+          <a:ln w="12700">
+            <a:solidFill>
+              <a:schemeClr val="tx1">
+                <a:lumMod val="95000"/>
+                <a:lumOff val="5000"/>
+              </a:schemeClr>
+            </a:solidFill>
+            <a:tailEnd type="triangle"/>
+          </a:ln>
+        </p:spPr>
+        <p:style>
+          <a:lnRef idx="1">
+            <a:schemeClr val="accent1"/>
+          </a:lnRef>
+          <a:fillRef idx="0">
+            <a:schemeClr val="accent1"/>
+          </a:fillRef>
+          <a:effectRef idx="0">
+            <a:schemeClr val="accent1"/>
+          </a:effectRef>
+          <a:fontRef idx="minor">
+            <a:schemeClr val="tx1"/>
+          </a:fontRef>
+        </p:style>
+      </p:cxnSp>
+      <p:cxnSp>
+        <p:nvCxnSpPr>
+          <p:cNvPr id="298" name="Straight Arrow Connector 297">
+            <a:extLst>
+              <a:ext uri="{FF2B5EF4-FFF2-40B4-BE49-F238E27FC236}">
+                <a16:creationId xmlns:a16="http://schemas.microsoft.com/office/drawing/2014/main" id="{8615A1EF-2732-4449-A024-D06FD23217FC}"/>
+              </a:ext>
+            </a:extLst>
+          </p:cNvPr>
+          <p:cNvCxnSpPr>
+            <a:cxnSpLocks/>
+            <a:stCxn id="252" idx="3"/>
+            <a:endCxn id="209" idx="1"/>
+          </p:cNvCxnSpPr>
+          <p:nvPr/>
+        </p:nvCxnSpPr>
+        <p:spPr>
+          <a:xfrm flipV="1">
+            <a:off x="5124084" y="2364581"/>
+            <a:ext cx="2155324" cy="177693"/>
+          </a:xfrm>
+          <a:prstGeom prst="straightConnector1">
+            <a:avLst/>
+          </a:prstGeom>
+          <a:ln w="12700">
+            <a:solidFill>
+              <a:schemeClr val="tx1">
+                <a:lumMod val="95000"/>
+                <a:lumOff val="5000"/>
+              </a:schemeClr>
+            </a:solidFill>
+            <a:tailEnd type="triangle"/>
+          </a:ln>
+        </p:spPr>
+        <p:style>
+          <a:lnRef idx="1">
+            <a:schemeClr val="accent1"/>
+          </a:lnRef>
+          <a:fillRef idx="0">
+            <a:schemeClr val="accent1"/>
+          </a:fillRef>
+          <a:effectRef idx="0">
+            <a:schemeClr val="accent1"/>
+          </a:effectRef>
+          <a:fontRef idx="minor">
+            <a:schemeClr val="tx1"/>
+          </a:fontRef>
+        </p:style>
+      </p:cxnSp>
+      <p:cxnSp>
+        <p:nvCxnSpPr>
+          <p:cNvPr id="299" name="Straight Arrow Connector 298">
+            <a:extLst>
+              <a:ext uri="{FF2B5EF4-FFF2-40B4-BE49-F238E27FC236}">
+                <a16:creationId xmlns:a16="http://schemas.microsoft.com/office/drawing/2014/main" id="{D28FEAA9-0818-4894-8D66-46BABFA2D908}"/>
+              </a:ext>
+            </a:extLst>
+          </p:cNvPr>
+          <p:cNvCxnSpPr>
+            <a:cxnSpLocks/>
+            <a:stCxn id="261" idx="3"/>
+            <a:endCxn id="208" idx="1"/>
+          </p:cNvCxnSpPr>
+          <p:nvPr/>
+        </p:nvCxnSpPr>
+        <p:spPr>
+          <a:xfrm flipV="1">
+            <a:off x="5152710" y="2528595"/>
+            <a:ext cx="2126698" cy="1506525"/>
+          </a:xfrm>
+          <a:prstGeom prst="straightConnector1">
+            <a:avLst/>
+          </a:prstGeom>
+          <a:ln w="12700">
+            <a:solidFill>
+              <a:schemeClr val="tx1">
+                <a:lumMod val="95000"/>
+                <a:lumOff val="5000"/>
+              </a:schemeClr>
+            </a:solidFill>
+            <a:tailEnd type="triangle"/>
+          </a:ln>
+        </p:spPr>
+        <p:style>
+          <a:lnRef idx="1">
+            <a:schemeClr val="accent1"/>
+          </a:lnRef>
+          <a:fillRef idx="0">
+            <a:schemeClr val="accent1"/>
+          </a:fillRef>
+          <a:effectRef idx="0">
+            <a:schemeClr val="accent1"/>
+          </a:effectRef>
+          <a:fontRef idx="minor">
+            <a:schemeClr val="tx1"/>
+          </a:fontRef>
+        </p:style>
+      </p:cxnSp>
+      <p:cxnSp>
+        <p:nvCxnSpPr>
+          <p:cNvPr id="304" name="Straight Arrow Connector 303">
+            <a:extLst>
+              <a:ext uri="{FF2B5EF4-FFF2-40B4-BE49-F238E27FC236}">
+                <a16:creationId xmlns:a16="http://schemas.microsoft.com/office/drawing/2014/main" id="{AD93A6FC-1464-4110-AB05-1CB520C1CC82}"/>
+              </a:ext>
+            </a:extLst>
+          </p:cNvPr>
+          <p:cNvCxnSpPr>
+            <a:cxnSpLocks/>
+            <a:stCxn id="263" idx="3"/>
+            <a:endCxn id="210" idx="1"/>
+          </p:cNvCxnSpPr>
+          <p:nvPr/>
+        </p:nvCxnSpPr>
+        <p:spPr>
+          <a:xfrm flipV="1">
+            <a:off x="5152710" y="2856623"/>
+            <a:ext cx="2126698" cy="1506525"/>
+          </a:xfrm>
+          <a:prstGeom prst="straightConnector1">
+            <a:avLst/>
+          </a:prstGeom>
+          <a:ln w="12700">
+            <a:solidFill>
+              <a:schemeClr val="tx1">
+                <a:lumMod val="95000"/>
+                <a:lumOff val="5000"/>
+              </a:schemeClr>
+            </a:solidFill>
+            <a:tailEnd type="triangle"/>
+          </a:ln>
+        </p:spPr>
+        <p:style>
+          <a:lnRef idx="1">
+            <a:schemeClr val="accent1"/>
+          </a:lnRef>
+          <a:fillRef idx="0">
+            <a:schemeClr val="accent1"/>
+          </a:fillRef>
+          <a:effectRef idx="0">
+            <a:schemeClr val="accent1"/>
+          </a:effectRef>
+          <a:fontRef idx="minor">
+            <a:schemeClr val="tx1"/>
+          </a:fontRef>
+        </p:style>
+      </p:cxnSp>
+      <p:cxnSp>
+        <p:nvCxnSpPr>
+          <p:cNvPr id="309" name="Straight Arrow Connector 308">
+            <a:extLst>
+              <a:ext uri="{FF2B5EF4-FFF2-40B4-BE49-F238E27FC236}">
+                <a16:creationId xmlns:a16="http://schemas.microsoft.com/office/drawing/2014/main" id="{46B0A695-1803-4777-974D-5BE7AAE47997}"/>
+              </a:ext>
+            </a:extLst>
+          </p:cNvPr>
+          <p:cNvCxnSpPr>
+            <a:cxnSpLocks/>
+            <a:stCxn id="275" idx="3"/>
+            <a:endCxn id="213" idx="1"/>
+          </p:cNvCxnSpPr>
+          <p:nvPr/>
+        </p:nvCxnSpPr>
+        <p:spPr>
+          <a:xfrm flipV="1">
+            <a:off x="5152710" y="3020636"/>
+            <a:ext cx="2126698" cy="2932166"/>
+          </a:xfrm>
+          <a:prstGeom prst="straightConnector1">
+            <a:avLst/>
+          </a:prstGeom>
+          <a:ln w="12700">
+            <a:solidFill>
+              <a:schemeClr val="tx1">
+                <a:lumMod val="95000"/>
+                <a:lumOff val="5000"/>
+              </a:schemeClr>
+            </a:solidFill>
+            <a:tailEnd type="triangle"/>
+          </a:ln>
+        </p:spPr>
+        <p:style>
+          <a:lnRef idx="1">
+            <a:schemeClr val="accent1"/>
+          </a:lnRef>
+          <a:fillRef idx="0">
+            <a:schemeClr val="accent1"/>
+          </a:fillRef>
+          <a:effectRef idx="0">
+            <a:schemeClr val="accent1"/>
+          </a:effectRef>
+          <a:fontRef idx="minor">
+            <a:schemeClr val="tx1"/>
+          </a:fontRef>
+        </p:style>
+      </p:cxnSp>
+      <p:cxnSp>
+        <p:nvCxnSpPr>
+          <p:cNvPr id="310" name="Straight Arrow Connector 309">
+            <a:extLst>
+              <a:ext uri="{FF2B5EF4-FFF2-40B4-BE49-F238E27FC236}">
+                <a16:creationId xmlns:a16="http://schemas.microsoft.com/office/drawing/2014/main" id="{7FA892BE-07D5-46AD-8699-402F1818D010}"/>
+              </a:ext>
+            </a:extLst>
+          </p:cNvPr>
+          <p:cNvCxnSpPr>
+            <a:cxnSpLocks/>
+            <a:stCxn id="274" idx="3"/>
+            <a:endCxn id="212" idx="1"/>
+          </p:cNvCxnSpPr>
+          <p:nvPr/>
+        </p:nvCxnSpPr>
+        <p:spPr>
+          <a:xfrm flipV="1">
+            <a:off x="5152710" y="3184650"/>
+            <a:ext cx="2126698" cy="2932166"/>
+          </a:xfrm>
+          <a:prstGeom prst="straightConnector1">
+            <a:avLst/>
+          </a:prstGeom>
+          <a:ln w="12700">
+            <a:solidFill>
+              <a:schemeClr val="tx1">
+                <a:lumMod val="95000"/>
+                <a:lumOff val="5000"/>
+              </a:schemeClr>
+            </a:solidFill>
+            <a:tailEnd type="triangle"/>
+          </a:ln>
+        </p:spPr>
+        <p:style>
+          <a:lnRef idx="1">
+            <a:schemeClr val="accent1"/>
+          </a:lnRef>
+          <a:fillRef idx="0">
+            <a:schemeClr val="accent1"/>
+          </a:fillRef>
+          <a:effectRef idx="0">
+            <a:schemeClr val="accent1"/>
+          </a:effectRef>
+          <a:fontRef idx="minor">
+            <a:schemeClr val="tx1"/>
+          </a:fontRef>
+        </p:style>
+      </p:cxnSp>
     </p:spTree>
     <p:extLst>
       <p:ext uri="{BB962C8B-B14F-4D97-AF65-F5344CB8AC3E}">
@@ -15132,7 +16001,7 @@
 <file path=ppt/theme/theme1.xml><?xml version="1.0" encoding="utf-8"?>
 <a:theme xmlns:a="http://schemas.openxmlformats.org/drawingml/2006/main" name="Office Theme">
   <a:themeElements>
-    <a:clrScheme name="Office">
+    <a:clrScheme name="Office Theme">
       <a:dk1>
         <a:sysClr val="windowText" lastClr="000000"/>
       </a:dk1>
@@ -15170,7 +16039,7 @@
         <a:srgbClr val="954F72"/>
       </a:folHlink>
     </a:clrScheme>
-    <a:fontScheme name="Office">
+    <a:fontScheme name="Office Theme">
       <a:majorFont>
         <a:latin typeface="Calibri Light" panose="020F0302020204030204"/>
         <a:ea typeface=""/>
@@ -15205,23 +16074,6 @@
         <a:font script="Viet" typeface="Times New Roman"/>
         <a:font script="Uigh" typeface="Microsoft Uighur"/>
         <a:font script="Geor" typeface="Sylfaen"/>
-        <a:font script="Armn" typeface="Arial"/>
-        <a:font script="Bugi" typeface="Leelawadee UI"/>
-        <a:font script="Bopo" typeface="Microsoft JhengHei"/>
-        <a:font script="Java" typeface="Javanese Text"/>
-        <a:font script="Lisu" typeface="Segoe UI"/>
-        <a:font script="Mymr" typeface="Myanmar Text"/>
-        <a:font script="Nkoo" typeface="Ebrima"/>
-        <a:font script="Olck" typeface="Nirmala UI"/>
-        <a:font script="Osma" typeface="Ebrima"/>
-        <a:font script="Phag" typeface="Phagspa"/>
-        <a:font script="Syrn" typeface="Estrangelo Edessa"/>
-        <a:font script="Syrj" typeface="Estrangelo Edessa"/>
-        <a:font script="Syre" typeface="Estrangelo Edessa"/>
-        <a:font script="Sora" typeface="Nirmala UI"/>
-        <a:font script="Tale" typeface="Microsoft Tai Le"/>
-        <a:font script="Talu" typeface="Microsoft New Tai Lue"/>
-        <a:font script="Tfng" typeface="Ebrima"/>
       </a:majorFont>
       <a:minorFont>
         <a:latin typeface="Calibri" panose="020F0502020204030204"/>
@@ -15257,26 +16109,9 @@
         <a:font script="Viet" typeface="Arial"/>
         <a:font script="Uigh" typeface="Microsoft Uighur"/>
         <a:font script="Geor" typeface="Sylfaen"/>
-        <a:font script="Armn" typeface="Arial"/>
-        <a:font script="Bugi" typeface="Leelawadee UI"/>
-        <a:font script="Bopo" typeface="Microsoft JhengHei"/>
-        <a:font script="Java" typeface="Javanese Text"/>
-        <a:font script="Lisu" typeface="Segoe UI"/>
-        <a:font script="Mymr" typeface="Myanmar Text"/>
-        <a:font script="Nkoo" typeface="Ebrima"/>
-        <a:font script="Olck" typeface="Nirmala UI"/>
-        <a:font script="Osma" typeface="Ebrima"/>
-        <a:font script="Phag" typeface="Phagspa"/>
-        <a:font script="Syrn" typeface="Estrangelo Edessa"/>
-        <a:font script="Syrj" typeface="Estrangelo Edessa"/>
-        <a:font script="Syre" typeface="Estrangelo Edessa"/>
-        <a:font script="Sora" typeface="Nirmala UI"/>
-        <a:font script="Tale" typeface="Microsoft Tai Le"/>
-        <a:font script="Talu" typeface="Microsoft New Tai Lue"/>
-        <a:font script="Tfng" typeface="Ebrima"/>
       </a:minorFont>
     </a:fontScheme>
-    <a:fmtScheme name="Office">
+    <a:fmtScheme name="Office Theme">
       <a:fillStyleLst>
         <a:solidFill>
           <a:schemeClr val="phClr"/>
